--- a/Proposal/TTU CS Blog Requirements.pptx
+++ b/Proposal/TTU CS Blog Requirements.pptx
@@ -10,14 +10,13 @@
     <p:sldId id="259" r:id="rId4"/>
     <p:sldId id="260" r:id="rId5"/>
     <p:sldId id="261" r:id="rId6"/>
-    <p:sldId id="262" r:id="rId7"/>
-    <p:sldId id="263" r:id="rId8"/>
-    <p:sldId id="264" r:id="rId9"/>
-    <p:sldId id="265" r:id="rId10"/>
-    <p:sldId id="268" r:id="rId11"/>
-    <p:sldId id="266" r:id="rId12"/>
-    <p:sldId id="269" r:id="rId13"/>
-    <p:sldId id="267" r:id="rId14"/>
+    <p:sldId id="263" r:id="rId7"/>
+    <p:sldId id="264" r:id="rId8"/>
+    <p:sldId id="265" r:id="rId9"/>
+    <p:sldId id="268" r:id="rId10"/>
+    <p:sldId id="266" r:id="rId11"/>
+    <p:sldId id="269" r:id="rId12"/>
+    <p:sldId id="267" r:id="rId13"/>
   </p:sldIdLst>
   <p:sldSz cx="9144000" cy="6858000" type="screen4x3"/>
   <p:notesSz cx="6858000" cy="9144000"/>
@@ -313,6 +312,7 @@
           <a:p>
             <a:fld id="{9052A337-7106-483C-A9EC-AE6170E4D4DB}" type="datetimeFigureOut">
               <a:rPr lang="en-US" smtClean="0"/>
+              <a:pPr/>
               <a:t>9/28/2015</a:t>
             </a:fld>
             <a:endParaRPr lang="en-US"/>
@@ -365,6 +365,7 @@
           <a:p>
             <a:fld id="{F4162DEC-8079-438A-A5F1-77FE25814554}" type="slidenum">
               <a:rPr lang="en-US" smtClean="0"/>
+              <a:pPr/>
               <a:t>‹#›</a:t>
             </a:fld>
             <a:endParaRPr lang="en-US"/>
@@ -666,6 +667,7 @@
           <a:p>
             <a:fld id="{9052A337-7106-483C-A9EC-AE6170E4D4DB}" type="datetimeFigureOut">
               <a:rPr lang="en-US" smtClean="0"/>
+              <a:pPr/>
               <a:t>9/28/2015</a:t>
             </a:fld>
             <a:endParaRPr lang="en-US"/>
@@ -708,6 +710,7 @@
           <a:p>
             <a:fld id="{F4162DEC-8079-438A-A5F1-77FE25814554}" type="slidenum">
               <a:rPr lang="en-US" smtClean="0"/>
+              <a:pPr/>
               <a:t>‹#›</a:t>
             </a:fld>
             <a:endParaRPr lang="en-US"/>
@@ -841,6 +844,7 @@
           <a:p>
             <a:fld id="{9052A337-7106-483C-A9EC-AE6170E4D4DB}" type="datetimeFigureOut">
               <a:rPr lang="en-US" smtClean="0"/>
+              <a:pPr/>
               <a:t>9/28/2015</a:t>
             </a:fld>
             <a:endParaRPr lang="en-US"/>
@@ -883,6 +887,7 @@
           <a:p>
             <a:fld id="{F4162DEC-8079-438A-A5F1-77FE25814554}" type="slidenum">
               <a:rPr lang="en-US" smtClean="0"/>
+              <a:pPr/>
               <a:t>‹#›</a:t>
             </a:fld>
             <a:endParaRPr lang="en-US"/>
@@ -954,6 +959,7 @@
           <a:p>
             <a:fld id="{9052A337-7106-483C-A9EC-AE6170E4D4DB}" type="datetimeFigureOut">
               <a:rPr lang="en-US" smtClean="0"/>
+              <a:pPr/>
               <a:t>9/28/2015</a:t>
             </a:fld>
             <a:endParaRPr lang="en-US"/>
@@ -996,6 +1002,7 @@
           <a:p>
             <a:fld id="{F4162DEC-8079-438A-A5F1-77FE25814554}" type="slidenum">
               <a:rPr lang="en-US" smtClean="0"/>
+              <a:pPr/>
               <a:t>‹#›</a:t>
             </a:fld>
             <a:endParaRPr lang="en-US"/>
@@ -1312,6 +1319,7 @@
           <a:p>
             <a:fld id="{9052A337-7106-483C-A9EC-AE6170E4D4DB}" type="datetimeFigureOut">
               <a:rPr lang="en-US" smtClean="0"/>
+              <a:pPr/>
               <a:t>9/28/2015</a:t>
             </a:fld>
             <a:endParaRPr lang="en-US"/>
@@ -1506,6 +1514,7 @@
           <a:p>
             <a:fld id="{F4162DEC-8079-438A-A5F1-77FE25814554}" type="slidenum">
               <a:rPr lang="en-US" smtClean="0"/>
+              <a:pPr/>
               <a:t>‹#›</a:t>
             </a:fld>
             <a:endParaRPr lang="en-US"/>
@@ -1577,6 +1586,7 @@
           <a:p>
             <a:fld id="{9052A337-7106-483C-A9EC-AE6170E4D4DB}" type="datetimeFigureOut">
               <a:rPr lang="en-US" smtClean="0"/>
+              <a:pPr/>
               <a:t>9/28/2015</a:t>
             </a:fld>
             <a:endParaRPr lang="en-US"/>
@@ -1619,6 +1629,7 @@
           <a:p>
             <a:fld id="{F4162DEC-8079-438A-A5F1-77FE25814554}" type="slidenum">
               <a:rPr lang="en-US" smtClean="0"/>
+              <a:pPr/>
               <a:t>‹#›</a:t>
             </a:fld>
             <a:endParaRPr lang="en-US"/>
@@ -1939,6 +1950,7 @@
           <a:p>
             <a:fld id="{9052A337-7106-483C-A9EC-AE6170E4D4DB}" type="datetimeFigureOut">
               <a:rPr lang="en-US" smtClean="0"/>
+              <a:pPr/>
               <a:t>9/28/2015</a:t>
             </a:fld>
             <a:endParaRPr lang="en-US"/>
@@ -1981,6 +1993,7 @@
           <a:p>
             <a:fld id="{F4162DEC-8079-438A-A5F1-77FE25814554}" type="slidenum">
               <a:rPr lang="en-US" smtClean="0"/>
+              <a:pPr/>
               <a:t>‹#›</a:t>
             </a:fld>
             <a:endParaRPr lang="en-US"/>
@@ -2166,6 +2179,7 @@
           <a:p>
             <a:fld id="{9052A337-7106-483C-A9EC-AE6170E4D4DB}" type="datetimeFigureOut">
               <a:rPr lang="en-US" smtClean="0"/>
+              <a:pPr/>
               <a:t>9/28/2015</a:t>
             </a:fld>
             <a:endParaRPr lang="en-US"/>
@@ -2208,6 +2222,7 @@
           <a:p>
             <a:fld id="{F4162DEC-8079-438A-A5F1-77FE25814554}" type="slidenum">
               <a:rPr lang="en-US" smtClean="0"/>
+              <a:pPr/>
               <a:t>‹#›</a:t>
             </a:fld>
             <a:endParaRPr lang="en-US"/>
@@ -2256,6 +2271,7 @@
           <a:p>
             <a:fld id="{9052A337-7106-483C-A9EC-AE6170E4D4DB}" type="datetimeFigureOut">
               <a:rPr lang="en-US" smtClean="0"/>
+              <a:pPr/>
               <a:t>9/28/2015</a:t>
             </a:fld>
             <a:endParaRPr lang="en-US"/>
@@ -2298,6 +2314,7 @@
           <a:p>
             <a:fld id="{F4162DEC-8079-438A-A5F1-77FE25814554}" type="slidenum">
               <a:rPr lang="en-US" smtClean="0"/>
+              <a:pPr/>
               <a:t>‹#›</a:t>
             </a:fld>
             <a:endParaRPr lang="en-US"/>
@@ -2523,6 +2540,7 @@
           <a:p>
             <a:fld id="{9052A337-7106-483C-A9EC-AE6170E4D4DB}" type="datetimeFigureOut">
               <a:rPr lang="en-US" smtClean="0"/>
+              <a:pPr/>
               <a:t>9/28/2015</a:t>
             </a:fld>
             <a:endParaRPr lang="en-US"/>
@@ -2565,6 +2583,7 @@
           <a:p>
             <a:fld id="{F4162DEC-8079-438A-A5F1-77FE25814554}" type="slidenum">
               <a:rPr lang="en-US" smtClean="0"/>
+              <a:pPr/>
               <a:t>‹#›</a:t>
             </a:fld>
             <a:endParaRPr lang="en-US"/>
@@ -2751,6 +2770,7 @@
           <a:p>
             <a:fld id="{9052A337-7106-483C-A9EC-AE6170E4D4DB}" type="datetimeFigureOut">
               <a:rPr lang="en-US" smtClean="0"/>
+              <a:pPr/>
               <a:t>9/28/2015</a:t>
             </a:fld>
             <a:endParaRPr lang="en-US"/>
@@ -2803,6 +2823,7 @@
           <a:p>
             <a:fld id="{F4162DEC-8079-438A-A5F1-77FE25814554}" type="slidenum">
               <a:rPr lang="en-US" smtClean="0"/>
+              <a:pPr/>
               <a:t>‹#›</a:t>
             </a:fld>
             <a:endParaRPr lang="en-US"/>
@@ -3250,6 +3271,7 @@
           <a:p>
             <a:fld id="{9052A337-7106-483C-A9EC-AE6170E4D4DB}" type="datetimeFigureOut">
               <a:rPr lang="en-US" smtClean="0"/>
+              <a:pPr/>
               <a:t>9/28/2015</a:t>
             </a:fld>
             <a:endParaRPr lang="en-US"/>
@@ -3332,6 +3354,7 @@
           <a:p>
             <a:fld id="{F4162DEC-8079-438A-A5F1-77FE25814554}" type="slidenum">
               <a:rPr lang="en-US" smtClean="0"/>
+              <a:pPr/>
               <a:t>‹#›</a:t>
             </a:fld>
             <a:endParaRPr lang="en-US"/>
@@ -3806,7 +3829,7 @@
     </p:spTree>
     <p:extLst>
       <p:ext uri="{BB962C8B-B14F-4D97-AF65-F5344CB8AC3E}">
-        <p14:creationId xmlns:p14="http://schemas.microsoft.com/office/powerpoint/2010/main" val="1168367442"/>
+        <p14:creationId xmlns:p14="http://schemas.microsoft.com/office/powerpoint/2010/main" xmlns="" val="1168367442"/>
       </p:ext>
     </p:extLst>
   </p:cSld>
@@ -3850,7 +3873,7 @@
           <a:p>
             <a:r>
               <a:rPr lang="en-US" dirty="0" smtClean="0"/>
-              <a:t>Functional Requirements (Cont.)</a:t>
+              <a:t>Nonfunctional Requirements</a:t>
             </a:r>
             <a:endParaRPr lang="en-US" dirty="0"/>
           </a:p>
@@ -3868,42 +3891,65 @@
         </p:nvSpPr>
         <p:spPr/>
         <p:txBody>
-          <a:bodyPr/>
+          <a:bodyPr>
+            <a:normAutofit fontScale="92500" lnSpcReduction="20000"/>
+          </a:bodyPr>
           <a:lstStyle/>
           <a:p>
             <a:pPr lvl="0"/>
             <a:r>
+              <a:rPr lang="en-US" sz="2800" dirty="0"/>
+              <a:t>Security: </a:t>
+            </a:r>
+            <a:endParaRPr lang="en-US" sz="2400" dirty="0"/>
+          </a:p>
+          <a:p>
+            <a:pPr lvl="1"/>
+            <a:r>
               <a:rPr lang="en-US" dirty="0"/>
-              <a:t>The system users will gain credit for correctly answering a posted question requested by another user.</a:t>
-            </a:r>
+              <a:t>The system should have password encryption for its users. </a:t>
+            </a:r>
+            <a:endParaRPr lang="en-US" sz="2000" dirty="0"/>
           </a:p>
           <a:p>
             <a:pPr lvl="0"/>
             <a:r>
+              <a:rPr lang="en-US" sz="2800" dirty="0"/>
+              <a:t>Performance: </a:t>
+            </a:r>
+            <a:endParaRPr lang="en-US" sz="2400" dirty="0"/>
+          </a:p>
+          <a:p>
+            <a:pPr lvl="1"/>
+            <a:r>
               <a:rPr lang="en-US" dirty="0"/>
-              <a:t>The system user ‘administrator’ will have to authority to close or move a post.</a:t>
-            </a:r>
+              <a:t>Processing time: The response time of the webpage will only be limited by the user’s internet connection. However, it will not take longer than 1 second to scroll up or down a webpage in the domain.</a:t>
+            </a:r>
+            <a:endParaRPr lang="en-US" sz="2000" dirty="0"/>
+          </a:p>
+          <a:p>
+            <a:pPr lvl="1"/>
+            <a:r>
+              <a:rPr lang="en-US" dirty="0"/>
+              <a:t>Resource Usage: The webpage should not affect the system any differently than another similar webpage. Different web browsers may produce a different amounts of resources used.</a:t>
+            </a:r>
+            <a:endParaRPr lang="en-US" sz="2000" dirty="0"/>
           </a:p>
           <a:p>
             <a:pPr lvl="0"/>
             <a:r>
+              <a:rPr lang="en-US" sz="2800" dirty="0"/>
+              <a:t>Reliability: The system should be accessible 99% percent of the time. The other one percent   will be allotted for any server updates or maintenance.</a:t>
+            </a:r>
+            <a:endParaRPr lang="en-US" sz="2400" dirty="0"/>
+          </a:p>
+          <a:p>
+            <a:pPr lvl="1"/>
+            <a:r>
               <a:rPr lang="en-US" dirty="0"/>
-              <a:t>The system shall automatically email the user who made a post when another user has attempted to answer.</a:t>
-            </a:r>
-          </a:p>
-          <a:p>
-            <a:pPr lvl="0"/>
-            <a:r>
-              <a:rPr lang="en-US" dirty="0"/>
-              <a:t>The system shall mark each post as answered or unanswered.</a:t>
-            </a:r>
-          </a:p>
-          <a:p>
-            <a:pPr lvl="0"/>
-            <a:r>
-              <a:rPr lang="en-US" dirty="0"/>
-              <a:t>The system shall close a post if it remains unanswered after the time out period.</a:t>
-            </a:r>
+              <a:t>Error handling: The software should report all issues posting/answering questions, as well as logging in.</a:t>
+            </a:r>
+            <a:endParaRPr lang="en-US" sz="2000" dirty="0"/>
           </a:p>
           <a:p>
             <a:endParaRPr lang="en-US" dirty="0"/>
@@ -3913,7 +3959,7 @@
     </p:spTree>
     <p:extLst>
       <p:ext uri="{BB962C8B-B14F-4D97-AF65-F5344CB8AC3E}">
-        <p14:creationId xmlns:p14="http://schemas.microsoft.com/office/powerpoint/2010/main" val="672942234"/>
+        <p14:creationId xmlns:p14="http://schemas.microsoft.com/office/powerpoint/2010/main" xmlns="" val="3124399499"/>
       </p:ext>
     </p:extLst>
   </p:cSld>
@@ -3952,12 +3998,14 @@
         </p:nvSpPr>
         <p:spPr/>
         <p:txBody>
-          <a:bodyPr/>
+          <a:bodyPr>
+            <a:normAutofit fontScale="90000"/>
+          </a:bodyPr>
           <a:lstStyle/>
           <a:p>
             <a:r>
               <a:rPr lang="en-US" dirty="0" smtClean="0"/>
-              <a:t>Nonfunctional Requirements</a:t>
+              <a:t>Nonfunctional Requirements (Cont.)</a:t>
             </a:r>
             <a:endParaRPr lang="en-US" dirty="0"/>
           </a:p>
@@ -3976,14 +4024,14 @@
         <p:spPr/>
         <p:txBody>
           <a:bodyPr>
-            <a:normAutofit fontScale="92500" lnSpcReduction="20000"/>
+            <a:normAutofit fontScale="92500"/>
           </a:bodyPr>
           <a:lstStyle/>
           <a:p>
             <a:pPr lvl="0"/>
             <a:r>
               <a:rPr lang="en-US" sz="2800" dirty="0"/>
-              <a:t>Security: </a:t>
+              <a:t> Usability:</a:t>
             </a:r>
             <a:endParaRPr lang="en-US" sz="2400" dirty="0"/>
           </a:p>
@@ -3991,15 +4039,31 @@
             <a:pPr lvl="1"/>
             <a:r>
               <a:rPr lang="en-US" dirty="0"/>
-              <a:t>The system should have password encryption for its users. </a:t>
+              <a:t>Required User Ability: The webpage should be usable by anyone with basic computer skills.</a:t>
             </a:r>
             <a:endParaRPr lang="en-US" sz="2000" dirty="0"/>
           </a:p>
           <a:p>
+            <a:pPr lvl="1"/>
+            <a:r>
+              <a:rPr lang="en-US" dirty="0"/>
+              <a:t>Documentation: The software will have a user guide for basic use of the system</a:t>
+            </a:r>
+            <a:endParaRPr lang="en-US" sz="2000" dirty="0"/>
+          </a:p>
+          <a:p>
+            <a:pPr lvl="1"/>
+            <a:r>
+              <a:rPr lang="en-US" dirty="0"/>
+              <a:t>Language: The software will be written with an English interface.</a:t>
+            </a:r>
+            <a:endParaRPr lang="en-US" sz="2000" dirty="0"/>
+          </a:p>
+          <a:p>
             <a:pPr lvl="0"/>
             <a:r>
               <a:rPr lang="en-US" sz="2800" dirty="0"/>
-              <a:t>Performance: </a:t>
+              <a:t>Implementation Constraints: </a:t>
             </a:r>
             <a:endParaRPr lang="en-US" sz="2400" dirty="0"/>
           </a:p>
@@ -4007,7 +4071,7 @@
             <a:pPr lvl="1"/>
             <a:r>
               <a:rPr lang="en-US" dirty="0"/>
-              <a:t>Processing time: The response time of the webpage will only be limited by the user’s internet connection. However, it will not take longer than 1 second to scroll up or down a webpage in the domain.</a:t>
+              <a:t>Language: The system will be written in the PHP programming language.</a:t>
             </a:r>
             <a:endParaRPr lang="en-US" sz="2000" dirty="0"/>
           </a:p>
@@ -4015,23 +4079,7 @@
             <a:pPr lvl="1"/>
             <a:r>
               <a:rPr lang="en-US" dirty="0"/>
-              <a:t>Resource Usage: The webpage should not affect the system any differently than another similar webpage. Different web browsers may produce a different amounts of resources used.</a:t>
-            </a:r>
-            <a:endParaRPr lang="en-US" sz="2000" dirty="0"/>
-          </a:p>
-          <a:p>
-            <a:pPr lvl="0"/>
-            <a:r>
-              <a:rPr lang="en-US" sz="2800" dirty="0"/>
-              <a:t>Reliability: The system should be accessible 99% percent of the time. The other one percent   will be allotted for any server updates or maintenance.</a:t>
-            </a:r>
-            <a:endParaRPr lang="en-US" sz="2400" dirty="0"/>
-          </a:p>
-          <a:p>
-            <a:pPr lvl="1"/>
-            <a:r>
-              <a:rPr lang="en-US" dirty="0"/>
-              <a:t>Error handling: The software should report all issues posting/answering questions, as well as logging in.</a:t>
+              <a:t>Operating Systems: The system will be available on Windows operating systems as well as Macintosh, since it is written in PHP.</a:t>
             </a:r>
             <a:endParaRPr lang="en-US" sz="2000" dirty="0"/>
           </a:p>
@@ -4043,7 +4091,7 @@
     </p:spTree>
     <p:extLst>
       <p:ext uri="{BB962C8B-B14F-4D97-AF65-F5344CB8AC3E}">
-        <p14:creationId xmlns:p14="http://schemas.microsoft.com/office/powerpoint/2010/main" val="3124399499"/>
+        <p14:creationId xmlns:p14="http://schemas.microsoft.com/office/powerpoint/2010/main" xmlns="" val="3317316866"/>
       </p:ext>
     </p:extLst>
   </p:cSld>
@@ -4082,92 +4130,13 @@
         </p:nvSpPr>
         <p:spPr/>
         <p:txBody>
-          <a:bodyPr>
-            <a:normAutofit fontScale="90000"/>
-          </a:bodyPr>
+          <a:bodyPr/>
           <a:lstStyle/>
           <a:p>
             <a:r>
               <a:rPr lang="en-US" dirty="0" smtClean="0"/>
-              <a:t>Nonfunctional Requirements (Cont.)</a:t>
-            </a:r>
-            <a:endParaRPr lang="en-US" dirty="0"/>
-          </a:p>
-        </p:txBody>
-      </p:sp>
-      <p:sp>
-        <p:nvSpPr>
-          <p:cNvPr id="3" name="Content Placeholder 2"/>
-          <p:cNvSpPr>
-            <a:spLocks noGrp="1"/>
-          </p:cNvSpPr>
-          <p:nvPr>
-            <p:ph sz="quarter" idx="1"/>
-          </p:nvPr>
-        </p:nvSpPr>
-        <p:spPr/>
-        <p:txBody>
-          <a:bodyPr>
-            <a:normAutofit fontScale="92500"/>
-          </a:bodyPr>
-          <a:lstStyle/>
-          <a:p>
-            <a:pPr lvl="0"/>
-            <a:r>
-              <a:rPr lang="en-US" sz="2800" dirty="0"/>
-              <a:t> Usability:</a:t>
-            </a:r>
-            <a:endParaRPr lang="en-US" sz="2400" dirty="0"/>
-          </a:p>
-          <a:p>
-            <a:pPr lvl="1"/>
-            <a:r>
-              <a:rPr lang="en-US" dirty="0"/>
-              <a:t>Required User Ability: The webpage should be usable by anyone with basic computer skills.</a:t>
-            </a:r>
-            <a:endParaRPr lang="en-US" sz="2000" dirty="0"/>
-          </a:p>
-          <a:p>
-            <a:pPr lvl="1"/>
-            <a:r>
-              <a:rPr lang="en-US" dirty="0"/>
-              <a:t>Documentation: The software will have a user guide for basic use of the system</a:t>
-            </a:r>
-            <a:endParaRPr lang="en-US" sz="2000" dirty="0"/>
-          </a:p>
-          <a:p>
-            <a:pPr lvl="1"/>
-            <a:r>
-              <a:rPr lang="en-US" dirty="0"/>
-              <a:t>Language: The software will be written with an English interface.</a:t>
-            </a:r>
-            <a:endParaRPr lang="en-US" sz="2000" dirty="0"/>
-          </a:p>
-          <a:p>
-            <a:pPr lvl="0"/>
-            <a:r>
-              <a:rPr lang="en-US" sz="2800" dirty="0"/>
-              <a:t>Implementation Constraints: </a:t>
-            </a:r>
-            <a:endParaRPr lang="en-US" sz="2400" dirty="0"/>
-          </a:p>
-          <a:p>
-            <a:pPr lvl="1"/>
-            <a:r>
-              <a:rPr lang="en-US" dirty="0"/>
-              <a:t>Language: The system will be written in the PHP programming language.</a:t>
-            </a:r>
-            <a:endParaRPr lang="en-US" sz="2000" dirty="0"/>
-          </a:p>
-          <a:p>
-            <a:pPr lvl="1"/>
-            <a:r>
-              <a:rPr lang="en-US" dirty="0"/>
-              <a:t>Operating Systems: The system will be available on Windows operating systems as well as Macintosh, since it is written in PHP.</a:t>
-            </a:r>
-            <a:endParaRPr lang="en-US" sz="2000" dirty="0"/>
-          </a:p>
-          <a:p>
+              <a:t>Questions?</a:t>
+            </a:r>
             <a:endParaRPr lang="en-US" dirty="0"/>
           </a:p>
         </p:txBody>
@@ -4175,60 +4144,7 @@
     </p:spTree>
     <p:extLst>
       <p:ext uri="{BB962C8B-B14F-4D97-AF65-F5344CB8AC3E}">
-        <p14:creationId xmlns:p14="http://schemas.microsoft.com/office/powerpoint/2010/main" val="3317316866"/>
-      </p:ext>
-    </p:extLst>
-  </p:cSld>
-  <p:clrMapOvr>
-    <a:masterClrMapping/>
-  </p:clrMapOvr>
-</p:sld>
-</file>
-
-<file path=ppt/slides/slide13.xml><?xml version="1.0" encoding="utf-8"?>
-<p:sld xmlns:a="http://schemas.openxmlformats.org/drawingml/2006/main" xmlns:r="http://schemas.openxmlformats.org/officeDocument/2006/relationships" xmlns:p="http://schemas.openxmlformats.org/presentationml/2006/main">
-  <p:cSld>
-    <p:spTree>
-      <p:nvGrpSpPr>
-        <p:cNvPr id="1" name=""/>
-        <p:cNvGrpSpPr/>
-        <p:nvPr/>
-      </p:nvGrpSpPr>
-      <p:grpSpPr>
-        <a:xfrm>
-          <a:off x="0" y="0"/>
-          <a:ext cx="0" cy="0"/>
-          <a:chOff x="0" y="0"/>
-          <a:chExt cx="0" cy="0"/>
-        </a:xfrm>
-      </p:grpSpPr>
-      <p:sp>
-        <p:nvSpPr>
-          <p:cNvPr id="2" name="Title 1"/>
-          <p:cNvSpPr>
-            <a:spLocks noGrp="1"/>
-          </p:cNvSpPr>
-          <p:nvPr>
-            <p:ph type="title"/>
-          </p:nvPr>
-        </p:nvSpPr>
-        <p:spPr/>
-        <p:txBody>
-          <a:bodyPr/>
-          <a:lstStyle/>
-          <a:p>
-            <a:r>
-              <a:rPr lang="en-US" dirty="0" smtClean="0"/>
-              <a:t>Questions?</a:t>
-            </a:r>
-            <a:endParaRPr lang="en-US" dirty="0"/>
-          </a:p>
-        </p:txBody>
-      </p:sp>
-    </p:spTree>
-    <p:extLst>
-      <p:ext uri="{BB962C8B-B14F-4D97-AF65-F5344CB8AC3E}">
-        <p14:creationId xmlns:p14="http://schemas.microsoft.com/office/powerpoint/2010/main" val="3337099081"/>
+        <p14:creationId xmlns:p14="http://schemas.microsoft.com/office/powerpoint/2010/main" xmlns="" val="3337099081"/>
       </p:ext>
     </p:extLst>
   </p:cSld>
@@ -4330,7 +4246,7 @@
     </p:spTree>
     <p:extLst>
       <p:ext uri="{BB962C8B-B14F-4D97-AF65-F5344CB8AC3E}">
-        <p14:creationId xmlns:p14="http://schemas.microsoft.com/office/powerpoint/2010/main" val="3280233201"/>
+        <p14:creationId xmlns:p14="http://schemas.microsoft.com/office/powerpoint/2010/main" xmlns="" val="3280233201"/>
       </p:ext>
     </p:extLst>
   </p:cSld>
@@ -4421,7 +4337,7 @@
     </p:spTree>
     <p:extLst>
       <p:ext uri="{BB962C8B-B14F-4D97-AF65-F5344CB8AC3E}">
-        <p14:creationId xmlns:p14="http://schemas.microsoft.com/office/powerpoint/2010/main" val="1132916584"/>
+        <p14:creationId xmlns:p14="http://schemas.microsoft.com/office/powerpoint/2010/main" xmlns="" val="1132916584"/>
       </p:ext>
     </p:extLst>
   </p:cSld>
@@ -4501,7 +4417,15 @@
             </a:r>
             <a:r>
               <a:rPr lang="en-US" sz="3200" dirty="0"/>
-              <a:t>from home, they can communicate ideas and pose questions they need help on. </a:t>
+              <a:t>from home, they can communicate ideas and </a:t>
+            </a:r>
+            <a:r>
+              <a:rPr lang="en-US" sz="3200" dirty="0" smtClean="0"/>
+              <a:t>post </a:t>
+            </a:r>
+            <a:r>
+              <a:rPr lang="en-US" sz="3200" dirty="0"/>
+              <a:t>questions they need help on. </a:t>
             </a:r>
           </a:p>
           <a:p>
@@ -4512,7 +4436,7 @@
     </p:spTree>
     <p:extLst>
       <p:ext uri="{BB962C8B-B14F-4D97-AF65-F5344CB8AC3E}">
-        <p14:creationId xmlns:p14="http://schemas.microsoft.com/office/powerpoint/2010/main" val="1229737170"/>
+        <p14:creationId xmlns:p14="http://schemas.microsoft.com/office/powerpoint/2010/main" xmlns="" val="1229737170"/>
       </p:ext>
     </p:extLst>
   </p:cSld>
@@ -4552,13 +4476,13 @@
         <p:spPr/>
         <p:txBody>
           <a:bodyPr>
-            <a:normAutofit fontScale="90000"/>
+            <a:normAutofit/>
           </a:bodyPr>
           <a:lstStyle/>
           <a:p>
             <a:r>
               <a:rPr lang="en-US" dirty="0" smtClean="0"/>
-              <a:t>Objectives and Success Criteria of the Software</a:t>
+              <a:t>Objectives and Success Criteria</a:t>
             </a:r>
             <a:endParaRPr lang="en-US" dirty="0"/>
           </a:p>
@@ -4608,23 +4532,37 @@
             </a:r>
           </a:p>
           <a:p>
+            <a:r>
+              <a:rPr lang="en-US" sz="2800" dirty="0" smtClean="0"/>
+              <a:t>Project success criteria:</a:t>
+            </a:r>
+          </a:p>
+          <a:p>
             <a:pPr lvl="1"/>
             <a:r>
               <a:rPr lang="en-US" sz="2800" dirty="0" smtClean="0"/>
-              <a:t>One more </a:t>
-            </a:r>
-            <a:r>
-              <a:rPr lang="en-US" sz="2800" dirty="0" err="1" smtClean="0"/>
-              <a:t>plz</a:t>
-            </a:r>
-            <a:endParaRPr lang="en-US" sz="2800" dirty="0"/>
+              <a:t>Simple and accessible interface</a:t>
+            </a:r>
+          </a:p>
+          <a:p>
+            <a:pPr lvl="1"/>
+            <a:r>
+              <a:rPr lang="en-US" sz="2800" dirty="0" smtClean="0"/>
+              <a:t>Implemented searchable backend database</a:t>
+            </a:r>
+          </a:p>
+          <a:p>
+            <a:pPr lvl="1">
+              <a:buNone/>
+            </a:pPr>
+            <a:endParaRPr lang="en-US" sz="2800" dirty="0" smtClean="0"/>
           </a:p>
         </p:txBody>
       </p:sp>
     </p:spTree>
     <p:extLst>
       <p:ext uri="{BB962C8B-B14F-4D97-AF65-F5344CB8AC3E}">
-        <p14:creationId xmlns:p14="http://schemas.microsoft.com/office/powerpoint/2010/main" val="1930359296"/>
+        <p14:creationId xmlns:p14="http://schemas.microsoft.com/office/powerpoint/2010/main" xmlns="" val="1930359296"/>
       </p:ext>
     </p:extLst>
   </p:cSld>
@@ -4670,7 +4608,7 @@
           <a:p>
             <a:r>
               <a:rPr lang="en-US" dirty="0" smtClean="0"/>
-              <a:t>Objectives and Success Criteria of the Software (Cont.)</a:t>
+              <a:t>Definitions, Acronyms, and Abbreviations</a:t>
             </a:r>
             <a:endParaRPr lang="en-US" dirty="0"/>
           </a:p>
@@ -4694,19 +4632,41 @@
           <a:lstStyle/>
           <a:p>
             <a:r>
-              <a:rPr lang="en-US" sz="2800" dirty="0" smtClean="0"/>
-              <a:t>Project success criteria:</a:t>
-            </a:r>
-          </a:p>
-          <a:p>
-            <a:pPr lvl="1"/>
-            <a:r>
-              <a:rPr lang="en-US" sz="2800" dirty="0" smtClean="0"/>
-              <a:t>Easy to use, user-friendly interface</a:t>
-            </a:r>
-          </a:p>
-          <a:p>
-            <a:pPr lvl="1"/>
+              <a:rPr lang="en-US" sz="2800" dirty="0"/>
+              <a:t>TTU – Texas Tech University</a:t>
+            </a:r>
+          </a:p>
+          <a:p>
+            <a:r>
+              <a:rPr lang="en-US" sz="2800" dirty="0"/>
+              <a:t>CS - Computer Science</a:t>
+            </a:r>
+          </a:p>
+          <a:p>
+            <a:r>
+              <a:rPr lang="en-US" sz="2800" dirty="0"/>
+              <a:t>WAMP - A Windows Web development environment for Apache, MySQL, and PHP databases</a:t>
+            </a:r>
+          </a:p>
+          <a:p>
+            <a:r>
+              <a:rPr lang="en-US" sz="2800" dirty="0"/>
+              <a:t>AWS – Amazon Web Services</a:t>
+            </a:r>
+          </a:p>
+          <a:p>
+            <a:r>
+              <a:rPr lang="en-US" sz="2800" dirty="0"/>
+              <a:t>MySQL – an open source relational database management system.</a:t>
+            </a:r>
+          </a:p>
+          <a:p>
+            <a:r>
+              <a:rPr lang="en-US" sz="2800" dirty="0"/>
+              <a:t>MAMP – A Macintosh Web development environment for Apache, MySQL, and PHP database</a:t>
+            </a:r>
+          </a:p>
+          <a:p>
             <a:endParaRPr lang="en-US" sz="2800" dirty="0"/>
           </a:p>
         </p:txBody>
@@ -4714,7 +4674,7 @@
     </p:spTree>
     <p:extLst>
       <p:ext uri="{BB962C8B-B14F-4D97-AF65-F5344CB8AC3E}">
-        <p14:creationId xmlns:p14="http://schemas.microsoft.com/office/powerpoint/2010/main" val="1936962222"/>
+        <p14:creationId xmlns:p14="http://schemas.microsoft.com/office/powerpoint/2010/main" xmlns="" val="3980607593"/>
       </p:ext>
     </p:extLst>
   </p:cSld>
@@ -4753,14 +4713,12 @@
         </p:nvSpPr>
         <p:spPr/>
         <p:txBody>
-          <a:bodyPr>
-            <a:normAutofit fontScale="90000"/>
-          </a:bodyPr>
+          <a:bodyPr/>
           <a:lstStyle/>
           <a:p>
             <a:r>
               <a:rPr lang="en-US" dirty="0" smtClean="0"/>
-              <a:t>Definitions, Acronyms, and Abbreviations</a:t>
+              <a:t>Proposed System</a:t>
             </a:r>
             <a:endParaRPr lang="en-US" dirty="0"/>
           </a:p>
@@ -4784,38 +4742,8 @@
           <a:lstStyle/>
           <a:p>
             <a:r>
-              <a:rPr lang="en-US" sz="2800" dirty="0"/>
-              <a:t>TTU – Texas Tech University</a:t>
-            </a:r>
-          </a:p>
-          <a:p>
-            <a:r>
-              <a:rPr lang="en-US" sz="2800" dirty="0"/>
-              <a:t>CS - Computer Science</a:t>
-            </a:r>
-          </a:p>
-          <a:p>
-            <a:r>
-              <a:rPr lang="en-US" sz="2800" dirty="0"/>
-              <a:t>WAMP - A Windows Web development environment for Apache, MySQL, and PHP databases</a:t>
-            </a:r>
-          </a:p>
-          <a:p>
-            <a:r>
-              <a:rPr lang="en-US" sz="2800" dirty="0"/>
-              <a:t>AWS – Amazon Web Services</a:t>
-            </a:r>
-          </a:p>
-          <a:p>
-            <a:r>
-              <a:rPr lang="en-US" sz="2800" dirty="0"/>
-              <a:t>MySQL – an open source relational database management system.</a:t>
-            </a:r>
-          </a:p>
-          <a:p>
-            <a:r>
-              <a:rPr lang="en-US" sz="2800" dirty="0"/>
-              <a:t>MAMP – A Macintosh Web development environment for Apache, MySQL, and PHP database</a:t>
+              <a:rPr lang="en-US" sz="2800" dirty="0" smtClean="0"/>
+              <a:t>Once implemented, the TTU CS Blog will provide a free community of fellow students to be a part of. Not everyone has time to meet with professors or organize meetings with other students. So, this will be a resource where students can both ask and answer questions relating to CS courses. </a:t>
             </a:r>
           </a:p>
           <a:p>
@@ -4826,7 +4754,7 @@
     </p:spTree>
     <p:extLst>
       <p:ext uri="{BB962C8B-B14F-4D97-AF65-F5344CB8AC3E}">
-        <p14:creationId xmlns:p14="http://schemas.microsoft.com/office/powerpoint/2010/main" val="3980607593"/>
+        <p14:creationId xmlns:p14="http://schemas.microsoft.com/office/powerpoint/2010/main" xmlns="" val="3450793183"/>
       </p:ext>
     </p:extLst>
   </p:cSld>
@@ -4870,7 +4798,7 @@
           <a:p>
             <a:r>
               <a:rPr lang="en-US" dirty="0" smtClean="0"/>
-              <a:t>Proposed System</a:t>
+              <a:t>Functional Requirements</a:t>
             </a:r>
             <a:endParaRPr lang="en-US" dirty="0"/>
           </a:p>
@@ -4893,31 +4821,56 @@
           </a:bodyPr>
           <a:lstStyle/>
           <a:p>
-            <a:r>
-              <a:rPr lang="en-US" sz="2800" dirty="0"/>
-              <a:t>The aim of TTU CS Blog will be to give access to a free community of Texas Tech university computer science students. </a:t>
-            </a:r>
-            <a:endParaRPr lang="en-US" sz="2800" dirty="0" smtClean="0"/>
-          </a:p>
-          <a:p>
-            <a:r>
-              <a:rPr lang="en-US" sz="2800" dirty="0" smtClean="0"/>
-              <a:t>We </a:t>
-            </a:r>
-            <a:r>
-              <a:rPr lang="en-US" sz="2800" dirty="0"/>
-              <a:t>want to provide a solution to students who may not have free time after class to meet other students in person or if they have a question that requires feedback from more than one person.</a:t>
-            </a:r>
-          </a:p>
-          <a:p>
-            <a:endParaRPr lang="en-US" sz="2800" dirty="0"/>
+            <a:pPr lvl="0"/>
+            <a:r>
+              <a:rPr lang="en-US" dirty="0"/>
+              <a:t>They system shall allow users to make posts.</a:t>
+            </a:r>
+          </a:p>
+          <a:p>
+            <a:pPr lvl="0"/>
+            <a:r>
+              <a:rPr lang="en-US" dirty="0"/>
+              <a:t>The system users will have different access to posting.</a:t>
+            </a:r>
+          </a:p>
+          <a:p>
+            <a:pPr lvl="0"/>
+            <a:r>
+              <a:rPr lang="en-US" dirty="0"/>
+              <a:t>The system user ‘guest’ will not have access to post.</a:t>
+            </a:r>
+          </a:p>
+          <a:p>
+            <a:pPr lvl="0"/>
+            <a:r>
+              <a:rPr lang="en-US" dirty="0"/>
+              <a:t>The system users ‘faculty’ will only post under research topics and articles.</a:t>
+            </a:r>
+          </a:p>
+          <a:p>
+            <a:pPr lvl="0"/>
+            <a:r>
+              <a:rPr lang="en-US" dirty="0"/>
+              <a:t>The system shall maintain a total number of topics and courses.</a:t>
+            </a:r>
+          </a:p>
+          <a:p>
+            <a:pPr lvl="0"/>
+            <a:r>
+              <a:rPr lang="en-US" dirty="0"/>
+              <a:t>The system users will have different topics and courses to post to.</a:t>
+            </a:r>
+          </a:p>
+          <a:p>
+            <a:endParaRPr lang="en-US" dirty="0"/>
           </a:p>
         </p:txBody>
       </p:sp>
     </p:spTree>
     <p:extLst>
       <p:ext uri="{BB962C8B-B14F-4D97-AF65-F5344CB8AC3E}">
-        <p14:creationId xmlns:p14="http://schemas.microsoft.com/office/powerpoint/2010/main" val="3450793183"/>
+        <p14:creationId xmlns:p14="http://schemas.microsoft.com/office/powerpoint/2010/main" xmlns="" val="3975834863"/>
       </p:ext>
     </p:extLst>
   </p:cSld>
@@ -4961,7 +4914,7 @@
           <a:p>
             <a:r>
               <a:rPr lang="en-US" dirty="0" smtClean="0"/>
-              <a:t>Functional Requirements</a:t>
+              <a:t>Functional Requirements (Cont.)</a:t>
             </a:r>
             <a:endParaRPr lang="en-US" dirty="0"/>
           </a:p>
@@ -4979,50 +4932,41 @@
         </p:nvSpPr>
         <p:spPr/>
         <p:txBody>
-          <a:bodyPr>
-            <a:normAutofit/>
-          </a:bodyPr>
+          <a:bodyPr/>
           <a:lstStyle/>
           <a:p>
             <a:pPr lvl="0"/>
             <a:r>
               <a:rPr lang="en-US" dirty="0"/>
-              <a:t>They system shall allow users to make posts.</a:t>
+              <a:t>The system users will gain credit for correctly answering a posted question requested by another user.</a:t>
             </a:r>
           </a:p>
           <a:p>
             <a:pPr lvl="0"/>
             <a:r>
               <a:rPr lang="en-US" dirty="0"/>
-              <a:t>The system users will have different access to posting.</a:t>
+              <a:t>The system user ‘administrator’ will have to authority to close or move a post.</a:t>
             </a:r>
           </a:p>
           <a:p>
             <a:pPr lvl="0"/>
             <a:r>
               <a:rPr lang="en-US" dirty="0"/>
-              <a:t>The system user ‘guest’ will not have access to post.</a:t>
+              <a:t>The system shall automatically email the user who made a post when another user has attempted to answer.</a:t>
             </a:r>
           </a:p>
           <a:p>
             <a:pPr lvl="0"/>
             <a:r>
               <a:rPr lang="en-US" dirty="0"/>
-              <a:t>The system users ‘faculty’ will only post under research topics and articles.</a:t>
+              <a:t>The system shall mark each post as answered or unanswered.</a:t>
             </a:r>
           </a:p>
           <a:p>
             <a:pPr lvl="0"/>
             <a:r>
               <a:rPr lang="en-US" dirty="0"/>
-              <a:t>The system shall maintain a total number of topics and courses.</a:t>
-            </a:r>
-          </a:p>
-          <a:p>
-            <a:pPr lvl="0"/>
-            <a:r>
-              <a:rPr lang="en-US" dirty="0"/>
-              <a:t>The system users will have different topics and courses to post to.</a:t>
+              <a:t>The system shall close a post if it remains unanswered after the time out period.</a:t>
             </a:r>
           </a:p>
           <a:p>
@@ -5033,7 +4977,7 @@
     </p:spTree>
     <p:extLst>
       <p:ext uri="{BB962C8B-B14F-4D97-AF65-F5344CB8AC3E}">
-        <p14:creationId xmlns:p14="http://schemas.microsoft.com/office/powerpoint/2010/main" val="3975834863"/>
+        <p14:creationId xmlns:p14="http://schemas.microsoft.com/office/powerpoint/2010/main" xmlns="" val="672942234"/>
       </p:ext>
     </p:extLst>
   </p:cSld>

--- a/Proposal/TTU CS Blog Requirements.pptx
+++ b/Proposal/TTU CS Blog Requirements.pptx
@@ -4,6 +4,9 @@
   <p:sldMasterIdLst>
     <p:sldMasterId id="2147483708" r:id="rId1"/>
   </p:sldMasterIdLst>
+  <p:notesMasterIdLst>
+    <p:notesMasterId r:id="rId15"/>
+  </p:notesMasterIdLst>
   <p:sldIdLst>
     <p:sldId id="256" r:id="rId2"/>
     <p:sldId id="258" r:id="rId3"/>
@@ -13,10 +16,11 @@
     <p:sldId id="263" r:id="rId7"/>
     <p:sldId id="264" r:id="rId8"/>
     <p:sldId id="265" r:id="rId9"/>
-    <p:sldId id="268" r:id="rId10"/>
-    <p:sldId id="266" r:id="rId11"/>
-    <p:sldId id="269" r:id="rId12"/>
-    <p:sldId id="267" r:id="rId13"/>
+    <p:sldId id="270" r:id="rId10"/>
+    <p:sldId id="271" r:id="rId11"/>
+    <p:sldId id="266" r:id="rId12"/>
+    <p:sldId id="269" r:id="rId13"/>
+    <p:sldId id="267" r:id="rId14"/>
   </p:sldIdLst>
   <p:sldSz cx="9144000" cy="6858000" type="screen4x3"/>
   <p:notesSz cx="6858000" cy="9144000"/>
@@ -118,6 +122,440 @@
 </p:presentation>
 </file>
 
+<file path=ppt/notesMasters/notesMaster1.xml><?xml version="1.0" encoding="utf-8"?>
+<p:notesMaster xmlns:a="http://schemas.openxmlformats.org/drawingml/2006/main" xmlns:r="http://schemas.openxmlformats.org/officeDocument/2006/relationships" xmlns:p="http://schemas.openxmlformats.org/presentationml/2006/main">
+  <p:cSld>
+    <p:bg>
+      <p:bgRef idx="1001">
+        <a:schemeClr val="bg1"/>
+      </p:bgRef>
+    </p:bg>
+    <p:spTree>
+      <p:nvGrpSpPr>
+        <p:cNvPr id="1" name=""/>
+        <p:cNvGrpSpPr/>
+        <p:nvPr/>
+      </p:nvGrpSpPr>
+      <p:grpSpPr>
+        <a:xfrm>
+          <a:off x="0" y="0"/>
+          <a:ext cx="0" cy="0"/>
+          <a:chOff x="0" y="0"/>
+          <a:chExt cx="0" cy="0"/>
+        </a:xfrm>
+      </p:grpSpPr>
+      <p:sp>
+        <p:nvSpPr>
+          <p:cNvPr id="2" name="Header Placeholder 1"/>
+          <p:cNvSpPr>
+            <a:spLocks noGrp="1"/>
+          </p:cNvSpPr>
+          <p:nvPr>
+            <p:ph type="hdr" sz="quarter"/>
+          </p:nvPr>
+        </p:nvSpPr>
+        <p:spPr>
+          <a:xfrm>
+            <a:off x="0" y="0"/>
+            <a:ext cx="2971800" cy="457200"/>
+          </a:xfrm>
+          <a:prstGeom prst="rect">
+            <a:avLst/>
+          </a:prstGeom>
+        </p:spPr>
+        <p:txBody>
+          <a:bodyPr vert="horz" lIns="91440" tIns="45720" rIns="91440" bIns="45720" rtlCol="0"/>
+          <a:lstStyle>
+            <a:lvl1pPr algn="l">
+              <a:defRPr sz="1200"/>
+            </a:lvl1pPr>
+          </a:lstStyle>
+          <a:p>
+            <a:endParaRPr lang="en-US"/>
+          </a:p>
+        </p:txBody>
+      </p:sp>
+      <p:sp>
+        <p:nvSpPr>
+          <p:cNvPr id="3" name="Date Placeholder 2"/>
+          <p:cNvSpPr>
+            <a:spLocks noGrp="1"/>
+          </p:cNvSpPr>
+          <p:nvPr>
+            <p:ph type="dt" idx="1"/>
+          </p:nvPr>
+        </p:nvSpPr>
+        <p:spPr>
+          <a:xfrm>
+            <a:off x="3884613" y="0"/>
+            <a:ext cx="2971800" cy="457200"/>
+          </a:xfrm>
+          <a:prstGeom prst="rect">
+            <a:avLst/>
+          </a:prstGeom>
+        </p:spPr>
+        <p:txBody>
+          <a:bodyPr vert="horz" lIns="91440" tIns="45720" rIns="91440" bIns="45720" rtlCol="0"/>
+          <a:lstStyle>
+            <a:lvl1pPr algn="r">
+              <a:defRPr sz="1200"/>
+            </a:lvl1pPr>
+          </a:lstStyle>
+          <a:p>
+            <a:fld id="{95AA15B1-0756-4861-AFB8-60236DC51283}" type="datetimeFigureOut">
+              <a:rPr lang="en-US" smtClean="0"/>
+              <a:t>9/29/2015</a:t>
+            </a:fld>
+            <a:endParaRPr lang="en-US"/>
+          </a:p>
+        </p:txBody>
+      </p:sp>
+      <p:sp>
+        <p:nvSpPr>
+          <p:cNvPr id="4" name="Slide Image Placeholder 3"/>
+          <p:cNvSpPr>
+            <a:spLocks noGrp="1" noRot="1" noChangeAspect="1"/>
+          </p:cNvSpPr>
+          <p:nvPr>
+            <p:ph type="sldImg" idx="2"/>
+          </p:nvPr>
+        </p:nvSpPr>
+        <p:spPr>
+          <a:xfrm>
+            <a:off x="1143000" y="685800"/>
+            <a:ext cx="4572000" cy="3429000"/>
+          </a:xfrm>
+          <a:prstGeom prst="rect">
+            <a:avLst/>
+          </a:prstGeom>
+          <a:noFill/>
+          <a:ln w="12700">
+            <a:solidFill>
+              <a:prstClr val="black"/>
+            </a:solidFill>
+          </a:ln>
+        </p:spPr>
+        <p:txBody>
+          <a:bodyPr vert="horz" lIns="91440" tIns="45720" rIns="91440" bIns="45720" rtlCol="0" anchor="ctr"/>
+          <a:lstStyle/>
+          <a:p>
+            <a:endParaRPr lang="en-US"/>
+          </a:p>
+        </p:txBody>
+      </p:sp>
+      <p:sp>
+        <p:nvSpPr>
+          <p:cNvPr id="5" name="Notes Placeholder 4"/>
+          <p:cNvSpPr>
+            <a:spLocks noGrp="1"/>
+          </p:cNvSpPr>
+          <p:nvPr>
+            <p:ph type="body" sz="quarter" idx="3"/>
+          </p:nvPr>
+        </p:nvSpPr>
+        <p:spPr>
+          <a:xfrm>
+            <a:off x="685800" y="4343400"/>
+            <a:ext cx="5486400" cy="4114800"/>
+          </a:xfrm>
+          <a:prstGeom prst="rect">
+            <a:avLst/>
+          </a:prstGeom>
+        </p:spPr>
+        <p:txBody>
+          <a:bodyPr vert="horz" lIns="91440" tIns="45720" rIns="91440" bIns="45720" rtlCol="0"/>
+          <a:lstStyle/>
+          <a:p>
+            <a:pPr lvl="0"/>
+            <a:r>
+              <a:rPr lang="en-US" smtClean="0"/>
+              <a:t>Click to edit Master text styles</a:t>
+            </a:r>
+          </a:p>
+          <a:p>
+            <a:pPr lvl="1"/>
+            <a:r>
+              <a:rPr lang="en-US" smtClean="0"/>
+              <a:t>Second level</a:t>
+            </a:r>
+          </a:p>
+          <a:p>
+            <a:pPr lvl="2"/>
+            <a:r>
+              <a:rPr lang="en-US" smtClean="0"/>
+              <a:t>Third level</a:t>
+            </a:r>
+          </a:p>
+          <a:p>
+            <a:pPr lvl="3"/>
+            <a:r>
+              <a:rPr lang="en-US" smtClean="0"/>
+              <a:t>Fourth level</a:t>
+            </a:r>
+          </a:p>
+          <a:p>
+            <a:pPr lvl="4"/>
+            <a:r>
+              <a:rPr lang="en-US" smtClean="0"/>
+              <a:t>Fifth level</a:t>
+            </a:r>
+            <a:endParaRPr lang="en-US"/>
+          </a:p>
+        </p:txBody>
+      </p:sp>
+      <p:sp>
+        <p:nvSpPr>
+          <p:cNvPr id="6" name="Footer Placeholder 5"/>
+          <p:cNvSpPr>
+            <a:spLocks noGrp="1"/>
+          </p:cNvSpPr>
+          <p:nvPr>
+            <p:ph type="ftr" sz="quarter" idx="4"/>
+          </p:nvPr>
+        </p:nvSpPr>
+        <p:spPr>
+          <a:xfrm>
+            <a:off x="0" y="8685213"/>
+            <a:ext cx="2971800" cy="457200"/>
+          </a:xfrm>
+          <a:prstGeom prst="rect">
+            <a:avLst/>
+          </a:prstGeom>
+        </p:spPr>
+        <p:txBody>
+          <a:bodyPr vert="horz" lIns="91440" tIns="45720" rIns="91440" bIns="45720" rtlCol="0" anchor="b"/>
+          <a:lstStyle>
+            <a:lvl1pPr algn="l">
+              <a:defRPr sz="1200"/>
+            </a:lvl1pPr>
+          </a:lstStyle>
+          <a:p>
+            <a:endParaRPr lang="en-US"/>
+          </a:p>
+        </p:txBody>
+      </p:sp>
+      <p:sp>
+        <p:nvSpPr>
+          <p:cNvPr id="7" name="Slide Number Placeholder 6"/>
+          <p:cNvSpPr>
+            <a:spLocks noGrp="1"/>
+          </p:cNvSpPr>
+          <p:nvPr>
+            <p:ph type="sldNum" sz="quarter" idx="5"/>
+          </p:nvPr>
+        </p:nvSpPr>
+        <p:spPr>
+          <a:xfrm>
+            <a:off x="3884613" y="8685213"/>
+            <a:ext cx="2971800" cy="457200"/>
+          </a:xfrm>
+          <a:prstGeom prst="rect">
+            <a:avLst/>
+          </a:prstGeom>
+        </p:spPr>
+        <p:txBody>
+          <a:bodyPr vert="horz" lIns="91440" tIns="45720" rIns="91440" bIns="45720" rtlCol="0" anchor="b"/>
+          <a:lstStyle>
+            <a:lvl1pPr algn="r">
+              <a:defRPr sz="1200"/>
+            </a:lvl1pPr>
+          </a:lstStyle>
+          <a:p>
+            <a:fld id="{5B9AC00F-2FE0-4999-A74D-EC609CCDCC87}" type="slidenum">
+              <a:rPr lang="en-US" smtClean="0"/>
+              <a:t>‹#›</a:t>
+            </a:fld>
+            <a:endParaRPr lang="en-US"/>
+          </a:p>
+        </p:txBody>
+      </p:sp>
+    </p:spTree>
+    <p:extLst>
+      <p:ext uri="{BB962C8B-B14F-4D97-AF65-F5344CB8AC3E}">
+        <p14:creationId xmlns:p14="http://schemas.microsoft.com/office/powerpoint/2010/main" val="3865586069"/>
+      </p:ext>
+    </p:extLst>
+  </p:cSld>
+  <p:clrMap bg1="lt1" tx1="dk1" bg2="lt2" tx2="dk2" accent1="accent1" accent2="accent2" accent3="accent3" accent4="accent4" accent5="accent5" accent6="accent6" hlink="hlink" folHlink="folHlink"/>
+  <p:notesStyle>
+    <a:lvl1pPr marL="0" algn="l" defTabSz="914400" rtl="0" eaLnBrk="1" latinLnBrk="0" hangingPunct="1">
+      <a:defRPr sz="1200" kern="1200">
+        <a:solidFill>
+          <a:schemeClr val="tx1"/>
+        </a:solidFill>
+        <a:latin typeface="+mn-lt"/>
+        <a:ea typeface="+mn-ea"/>
+        <a:cs typeface="+mn-cs"/>
+      </a:defRPr>
+    </a:lvl1pPr>
+    <a:lvl2pPr marL="457200" algn="l" defTabSz="914400" rtl="0" eaLnBrk="1" latinLnBrk="0" hangingPunct="1">
+      <a:defRPr sz="1200" kern="1200">
+        <a:solidFill>
+          <a:schemeClr val="tx1"/>
+        </a:solidFill>
+        <a:latin typeface="+mn-lt"/>
+        <a:ea typeface="+mn-ea"/>
+        <a:cs typeface="+mn-cs"/>
+      </a:defRPr>
+    </a:lvl2pPr>
+    <a:lvl3pPr marL="914400" algn="l" defTabSz="914400" rtl="0" eaLnBrk="1" latinLnBrk="0" hangingPunct="1">
+      <a:defRPr sz="1200" kern="1200">
+        <a:solidFill>
+          <a:schemeClr val="tx1"/>
+        </a:solidFill>
+        <a:latin typeface="+mn-lt"/>
+        <a:ea typeface="+mn-ea"/>
+        <a:cs typeface="+mn-cs"/>
+      </a:defRPr>
+    </a:lvl3pPr>
+    <a:lvl4pPr marL="1371600" algn="l" defTabSz="914400" rtl="0" eaLnBrk="1" latinLnBrk="0" hangingPunct="1">
+      <a:defRPr sz="1200" kern="1200">
+        <a:solidFill>
+          <a:schemeClr val="tx1"/>
+        </a:solidFill>
+        <a:latin typeface="+mn-lt"/>
+        <a:ea typeface="+mn-ea"/>
+        <a:cs typeface="+mn-cs"/>
+      </a:defRPr>
+    </a:lvl4pPr>
+    <a:lvl5pPr marL="1828800" algn="l" defTabSz="914400" rtl="0" eaLnBrk="1" latinLnBrk="0" hangingPunct="1">
+      <a:defRPr sz="1200" kern="1200">
+        <a:solidFill>
+          <a:schemeClr val="tx1"/>
+        </a:solidFill>
+        <a:latin typeface="+mn-lt"/>
+        <a:ea typeface="+mn-ea"/>
+        <a:cs typeface="+mn-cs"/>
+      </a:defRPr>
+    </a:lvl5pPr>
+    <a:lvl6pPr marL="2286000" algn="l" defTabSz="914400" rtl="0" eaLnBrk="1" latinLnBrk="0" hangingPunct="1">
+      <a:defRPr sz="1200" kern="1200">
+        <a:solidFill>
+          <a:schemeClr val="tx1"/>
+        </a:solidFill>
+        <a:latin typeface="+mn-lt"/>
+        <a:ea typeface="+mn-ea"/>
+        <a:cs typeface="+mn-cs"/>
+      </a:defRPr>
+    </a:lvl6pPr>
+    <a:lvl7pPr marL="2743200" algn="l" defTabSz="914400" rtl="0" eaLnBrk="1" latinLnBrk="0" hangingPunct="1">
+      <a:defRPr sz="1200" kern="1200">
+        <a:solidFill>
+          <a:schemeClr val="tx1"/>
+        </a:solidFill>
+        <a:latin typeface="+mn-lt"/>
+        <a:ea typeface="+mn-ea"/>
+        <a:cs typeface="+mn-cs"/>
+      </a:defRPr>
+    </a:lvl7pPr>
+    <a:lvl8pPr marL="3200400" algn="l" defTabSz="914400" rtl="0" eaLnBrk="1" latinLnBrk="0" hangingPunct="1">
+      <a:defRPr sz="1200" kern="1200">
+        <a:solidFill>
+          <a:schemeClr val="tx1"/>
+        </a:solidFill>
+        <a:latin typeface="+mn-lt"/>
+        <a:ea typeface="+mn-ea"/>
+        <a:cs typeface="+mn-cs"/>
+      </a:defRPr>
+    </a:lvl8pPr>
+    <a:lvl9pPr marL="3657600" algn="l" defTabSz="914400" rtl="0" eaLnBrk="1" latinLnBrk="0" hangingPunct="1">
+      <a:defRPr sz="1200" kern="1200">
+        <a:solidFill>
+          <a:schemeClr val="tx1"/>
+        </a:solidFill>
+        <a:latin typeface="+mn-lt"/>
+        <a:ea typeface="+mn-ea"/>
+        <a:cs typeface="+mn-cs"/>
+      </a:defRPr>
+    </a:lvl9pPr>
+  </p:notesStyle>
+</p:notesMaster>
+</file>
+
+<file path=ppt/notesSlides/notesSlide1.xml><?xml version="1.0" encoding="utf-8"?>
+<p:notes xmlns:a="http://schemas.openxmlformats.org/drawingml/2006/main" xmlns:r="http://schemas.openxmlformats.org/officeDocument/2006/relationships" xmlns:p="http://schemas.openxmlformats.org/presentationml/2006/main">
+  <p:cSld>
+    <p:spTree>
+      <p:nvGrpSpPr>
+        <p:cNvPr id="1" name=""/>
+        <p:cNvGrpSpPr/>
+        <p:nvPr/>
+      </p:nvGrpSpPr>
+      <p:grpSpPr>
+        <a:xfrm>
+          <a:off x="0" y="0"/>
+          <a:ext cx="0" cy="0"/>
+          <a:chOff x="0" y="0"/>
+          <a:chExt cx="0" cy="0"/>
+        </a:xfrm>
+      </p:grpSpPr>
+      <p:sp>
+        <p:nvSpPr>
+          <p:cNvPr id="2" name="Slide Image Placeholder 1"/>
+          <p:cNvSpPr>
+            <a:spLocks noGrp="1" noRot="1" noChangeAspect="1"/>
+          </p:cNvSpPr>
+          <p:nvPr>
+            <p:ph type="sldImg"/>
+          </p:nvPr>
+        </p:nvSpPr>
+        <p:spPr/>
+      </p:sp>
+      <p:sp>
+        <p:nvSpPr>
+          <p:cNvPr id="3" name="Notes Placeholder 2"/>
+          <p:cNvSpPr>
+            <a:spLocks noGrp="1"/>
+          </p:cNvSpPr>
+          <p:nvPr>
+            <p:ph type="body" idx="1"/>
+          </p:nvPr>
+        </p:nvSpPr>
+        <p:spPr/>
+        <p:txBody>
+          <a:bodyPr/>
+          <a:lstStyle/>
+          <a:p>
+            <a:endParaRPr lang="en-US" dirty="0"/>
+          </a:p>
+        </p:txBody>
+      </p:sp>
+      <p:sp>
+        <p:nvSpPr>
+          <p:cNvPr id="4" name="Slide Number Placeholder 3"/>
+          <p:cNvSpPr>
+            <a:spLocks noGrp="1"/>
+          </p:cNvSpPr>
+          <p:nvPr>
+            <p:ph type="sldNum" sz="quarter" idx="10"/>
+          </p:nvPr>
+        </p:nvSpPr>
+        <p:spPr/>
+        <p:txBody>
+          <a:bodyPr/>
+          <a:lstStyle/>
+          <a:p>
+            <a:fld id="{5B9AC00F-2FE0-4999-A74D-EC609CCDCC87}" type="slidenum">
+              <a:rPr lang="en-US" smtClean="0"/>
+              <a:t>11</a:t>
+            </a:fld>
+            <a:endParaRPr lang="en-US"/>
+          </a:p>
+        </p:txBody>
+      </p:sp>
+    </p:spTree>
+    <p:extLst>
+      <p:ext uri="{BB962C8B-B14F-4D97-AF65-F5344CB8AC3E}">
+        <p14:creationId xmlns:p14="http://schemas.microsoft.com/office/powerpoint/2010/main" val="1702185052"/>
+      </p:ext>
+    </p:extLst>
+  </p:cSld>
+  <p:clrMapOvr>
+    <a:masterClrMapping/>
+  </p:clrMapOvr>
+</p:notes>
+</file>
+
 <file path=ppt/slideLayouts/slideLayout1.xml><?xml version="1.0" encoding="utf-8"?>
 <p:sldLayout xmlns:a="http://schemas.openxmlformats.org/drawingml/2006/main" xmlns:r="http://schemas.openxmlformats.org/officeDocument/2006/relationships" xmlns:p="http://schemas.openxmlformats.org/presentationml/2006/main" showMasterSp="0" type="title" preserve="1">
   <p:cSld name="Title Slide">
@@ -313,7 +751,7 @@
             <a:fld id="{9052A337-7106-483C-A9EC-AE6170E4D4DB}" type="datetimeFigureOut">
               <a:rPr lang="en-US" smtClean="0"/>
               <a:pPr/>
-              <a:t>9/28/2015</a:t>
+              <a:t>9/29/2015</a:t>
             </a:fld>
             <a:endParaRPr lang="en-US"/>
           </a:p>
@@ -668,7 +1106,7 @@
             <a:fld id="{9052A337-7106-483C-A9EC-AE6170E4D4DB}" type="datetimeFigureOut">
               <a:rPr lang="en-US" smtClean="0"/>
               <a:pPr/>
-              <a:t>9/28/2015</a:t>
+              <a:t>9/29/2015</a:t>
             </a:fld>
             <a:endParaRPr lang="en-US"/>
           </a:p>
@@ -845,7 +1283,7 @@
             <a:fld id="{9052A337-7106-483C-A9EC-AE6170E4D4DB}" type="datetimeFigureOut">
               <a:rPr lang="en-US" smtClean="0"/>
               <a:pPr/>
-              <a:t>9/28/2015</a:t>
+              <a:t>9/29/2015</a:t>
             </a:fld>
             <a:endParaRPr lang="en-US"/>
           </a:p>
@@ -960,7 +1398,7 @@
             <a:fld id="{9052A337-7106-483C-A9EC-AE6170E4D4DB}" type="datetimeFigureOut">
               <a:rPr lang="en-US" smtClean="0"/>
               <a:pPr/>
-              <a:t>9/28/2015</a:t>
+              <a:t>9/29/2015</a:t>
             </a:fld>
             <a:endParaRPr lang="en-US"/>
           </a:p>
@@ -1320,7 +1758,7 @@
             <a:fld id="{9052A337-7106-483C-A9EC-AE6170E4D4DB}" type="datetimeFigureOut">
               <a:rPr lang="en-US" smtClean="0"/>
               <a:pPr/>
-              <a:t>9/28/2015</a:t>
+              <a:t>9/29/2015</a:t>
             </a:fld>
             <a:endParaRPr lang="en-US"/>
           </a:p>
@@ -1587,7 +2025,7 @@
             <a:fld id="{9052A337-7106-483C-A9EC-AE6170E4D4DB}" type="datetimeFigureOut">
               <a:rPr lang="en-US" smtClean="0"/>
               <a:pPr/>
-              <a:t>9/28/2015</a:t>
+              <a:t>9/29/2015</a:t>
             </a:fld>
             <a:endParaRPr lang="en-US"/>
           </a:p>
@@ -1951,7 +2389,7 @@
             <a:fld id="{9052A337-7106-483C-A9EC-AE6170E4D4DB}" type="datetimeFigureOut">
               <a:rPr lang="en-US" smtClean="0"/>
               <a:pPr/>
-              <a:t>9/28/2015</a:t>
+              <a:t>9/29/2015</a:t>
             </a:fld>
             <a:endParaRPr lang="en-US"/>
           </a:p>
@@ -2180,7 +2618,7 @@
             <a:fld id="{9052A337-7106-483C-A9EC-AE6170E4D4DB}" type="datetimeFigureOut">
               <a:rPr lang="en-US" smtClean="0"/>
               <a:pPr/>
-              <a:t>9/28/2015</a:t>
+              <a:t>9/29/2015</a:t>
             </a:fld>
             <a:endParaRPr lang="en-US"/>
           </a:p>
@@ -2272,7 +2710,7 @@
             <a:fld id="{9052A337-7106-483C-A9EC-AE6170E4D4DB}" type="datetimeFigureOut">
               <a:rPr lang="en-US" smtClean="0"/>
               <a:pPr/>
-              <a:t>9/28/2015</a:t>
+              <a:t>9/29/2015</a:t>
             </a:fld>
             <a:endParaRPr lang="en-US"/>
           </a:p>
@@ -2541,7 +2979,7 @@
             <a:fld id="{9052A337-7106-483C-A9EC-AE6170E4D4DB}" type="datetimeFigureOut">
               <a:rPr lang="en-US" smtClean="0"/>
               <a:pPr/>
-              <a:t>9/28/2015</a:t>
+              <a:t>9/29/2015</a:t>
             </a:fld>
             <a:endParaRPr lang="en-US"/>
           </a:p>
@@ -2771,7 +3209,7 @@
             <a:fld id="{9052A337-7106-483C-A9EC-AE6170E4D4DB}" type="datetimeFigureOut">
               <a:rPr lang="en-US" smtClean="0"/>
               <a:pPr/>
-              <a:t>9/28/2015</a:t>
+              <a:t>9/29/2015</a:t>
             </a:fld>
             <a:endParaRPr lang="en-US"/>
           </a:p>
@@ -3272,7 +3710,7 @@
             <a:fld id="{9052A337-7106-483C-A9EC-AE6170E4D4DB}" type="datetimeFigureOut">
               <a:rPr lang="en-US" smtClean="0"/>
               <a:pPr/>
-              <a:t>9/28/2015</a:t>
+              <a:t>9/29/2015</a:t>
             </a:fld>
             <a:endParaRPr lang="en-US"/>
           </a:p>
@@ -3829,7 +4267,7 @@
     </p:spTree>
     <p:extLst>
       <p:ext uri="{BB962C8B-B14F-4D97-AF65-F5344CB8AC3E}">
-        <p14:creationId xmlns:p14="http://schemas.microsoft.com/office/powerpoint/2010/main" xmlns="" val="1168367442"/>
+        <p14:creationId xmlns:p14="http://schemas.microsoft.com/office/powerpoint/2010/main" val="1168367442"/>
       </p:ext>
     </p:extLst>
   </p:cSld>
@@ -3872,10 +4310,9 @@
           <a:lstStyle/>
           <a:p>
             <a:r>
-              <a:rPr lang="en-US" dirty="0" smtClean="0"/>
-              <a:t>Nonfunctional Requirements</a:t>
-            </a:r>
-            <a:endParaRPr lang="en-US" dirty="0"/>
+              <a:rPr lang="en-US" dirty="0"/>
+              <a:t>Functional Requirements - System</a:t>
+            </a:r>
           </a:p>
         </p:txBody>
       </p:sp>
@@ -3892,74 +4329,46 @@
         <p:spPr/>
         <p:txBody>
           <a:bodyPr>
-            <a:normAutofit fontScale="92500" lnSpcReduction="20000"/>
+            <a:normAutofit/>
           </a:bodyPr>
           <a:lstStyle/>
           <a:p>
             <a:pPr lvl="0"/>
             <a:r>
               <a:rPr lang="en-US" sz="2800" dirty="0"/>
-              <a:t>Security: </a:t>
-            </a:r>
-            <a:endParaRPr lang="en-US" sz="2400" dirty="0"/>
-          </a:p>
-          <a:p>
-            <a:pPr lvl="1"/>
-            <a:r>
-              <a:rPr lang="en-US" dirty="0"/>
-              <a:t>The system should have password encryption for its users. </a:t>
-            </a:r>
-            <a:endParaRPr lang="en-US" sz="2000" dirty="0"/>
+              <a:t>The system shall automatically email the user who made a post when another user has attempted to answer.</a:t>
+            </a:r>
           </a:p>
           <a:p>
             <a:pPr lvl="0"/>
             <a:r>
               <a:rPr lang="en-US" sz="2800" dirty="0"/>
-              <a:t>Performance: </a:t>
-            </a:r>
-            <a:endParaRPr lang="en-US" sz="2400" dirty="0"/>
-          </a:p>
-          <a:p>
-            <a:pPr lvl="1"/>
-            <a:r>
-              <a:rPr lang="en-US" dirty="0"/>
-              <a:t>Processing time: The response time of the webpage will only be limited by the user’s internet connection. However, it will not take longer than 1 second to scroll up or down a webpage in the domain.</a:t>
-            </a:r>
-            <a:endParaRPr lang="en-US" sz="2000" dirty="0"/>
-          </a:p>
-          <a:p>
-            <a:pPr lvl="1"/>
-            <a:r>
-              <a:rPr lang="en-US" dirty="0"/>
-              <a:t>Resource Usage: The webpage should not affect the system any differently than another similar webpage. Different web browsers may produce a different amounts of resources used.</a:t>
-            </a:r>
-            <a:endParaRPr lang="en-US" sz="2000" dirty="0"/>
+              <a:t>The system shall automatically email the user who answered a post when it has been marked by the user who posted the question.</a:t>
+            </a:r>
           </a:p>
           <a:p>
             <a:pPr lvl="0"/>
             <a:r>
               <a:rPr lang="en-US" sz="2800" dirty="0"/>
-              <a:t>Reliability: The system should be accessible 99% percent of the time. The other one percent   will be allotted for any server updates or maintenance.</a:t>
-            </a:r>
-            <a:endParaRPr lang="en-US" sz="2400" dirty="0"/>
-          </a:p>
-          <a:p>
-            <a:pPr lvl="1"/>
-            <a:r>
-              <a:rPr lang="en-US" dirty="0"/>
-              <a:t>Error handling: The software should report all issues posting/answering questions, as well as logging in.</a:t>
-            </a:r>
-            <a:endParaRPr lang="en-US" sz="2000" dirty="0"/>
-          </a:p>
-          <a:p>
-            <a:endParaRPr lang="en-US" dirty="0"/>
+              <a:t>The system shall mark each post as answered or unanswered.</a:t>
+            </a:r>
+          </a:p>
+          <a:p>
+            <a:pPr lvl="0"/>
+            <a:r>
+              <a:rPr lang="en-US" sz="2800" dirty="0"/>
+              <a:t>The system shall close a post if it remains unanswered after the time out period.</a:t>
+            </a:r>
+          </a:p>
+          <a:p>
+            <a:endParaRPr lang="en-US" sz="2800" dirty="0"/>
           </a:p>
         </p:txBody>
       </p:sp>
     </p:spTree>
     <p:extLst>
       <p:ext uri="{BB962C8B-B14F-4D97-AF65-F5344CB8AC3E}">
-        <p14:creationId xmlns:p14="http://schemas.microsoft.com/office/powerpoint/2010/main" xmlns="" val="3124399499"/>
+        <p14:creationId xmlns:p14="http://schemas.microsoft.com/office/powerpoint/2010/main" val="2276869265"/>
       </p:ext>
     </p:extLst>
   </p:cSld>
@@ -3999,13 +4408,13 @@
         <p:spPr/>
         <p:txBody>
           <a:bodyPr>
-            <a:normAutofit fontScale="90000"/>
+            <a:normAutofit/>
           </a:bodyPr>
           <a:lstStyle/>
           <a:p>
             <a:r>
               <a:rPr lang="en-US" dirty="0" smtClean="0"/>
-              <a:t>Nonfunctional Requirements (Cont.)</a:t>
+              <a:t>Nonfunctional Requirements</a:t>
             </a:r>
             <a:endParaRPr lang="en-US" dirty="0"/>
           </a:p>
@@ -4024,74 +4433,58 @@
         <p:spPr/>
         <p:txBody>
           <a:bodyPr>
-            <a:normAutofit fontScale="92500"/>
+            <a:normAutofit/>
           </a:bodyPr>
           <a:lstStyle/>
           <a:p>
             <a:pPr lvl="0"/>
             <a:r>
-              <a:rPr lang="en-US" sz="2800" dirty="0"/>
-              <a:t> Usability:</a:t>
-            </a:r>
-            <a:endParaRPr lang="en-US" sz="2400" dirty="0"/>
+              <a:rPr lang="en-US" sz="3200" dirty="0" smtClean="0"/>
+              <a:t>Security </a:t>
+            </a:r>
+            <a:endParaRPr lang="en-US" sz="3200" dirty="0"/>
+          </a:p>
+          <a:p>
+            <a:pPr lvl="0"/>
+            <a:r>
+              <a:rPr lang="en-US" sz="3200" dirty="0" smtClean="0"/>
+              <a:t>Performance</a:t>
+            </a:r>
+          </a:p>
+          <a:p>
+            <a:pPr lvl="0"/>
+            <a:r>
+              <a:rPr lang="en-US" sz="3200" dirty="0" smtClean="0"/>
+              <a:t>Processing time</a:t>
+            </a:r>
           </a:p>
           <a:p>
             <a:pPr lvl="1"/>
             <a:r>
-              <a:rPr lang="en-US" dirty="0"/>
-              <a:t>Required User Ability: The webpage should be usable by anyone with basic computer skills.</a:t>
-            </a:r>
-            <a:endParaRPr lang="en-US" sz="2000" dirty="0"/>
+              <a:rPr lang="en-US" sz="3200" dirty="0" smtClean="0"/>
+              <a:t>Resource Usage</a:t>
+            </a:r>
+          </a:p>
+          <a:p>
+            <a:r>
+              <a:rPr lang="en-US" sz="3200" dirty="0" smtClean="0"/>
+              <a:t>Reliability</a:t>
+            </a:r>
           </a:p>
           <a:p>
             <a:pPr lvl="1"/>
             <a:r>
-              <a:rPr lang="en-US" dirty="0"/>
-              <a:t>Documentation: The software will have a user guide for basic use of the system</a:t>
-            </a:r>
-            <a:endParaRPr lang="en-US" sz="2000" dirty="0"/>
-          </a:p>
-          <a:p>
-            <a:pPr lvl="1"/>
-            <a:r>
-              <a:rPr lang="en-US" dirty="0"/>
-              <a:t>Language: The software will be written with an English interface.</a:t>
-            </a:r>
-            <a:endParaRPr lang="en-US" sz="2000" dirty="0"/>
-          </a:p>
-          <a:p>
-            <a:pPr lvl="0"/>
-            <a:r>
-              <a:rPr lang="en-US" sz="2800" dirty="0"/>
-              <a:t>Implementation Constraints: </a:t>
-            </a:r>
-            <a:endParaRPr lang="en-US" sz="2400" dirty="0"/>
-          </a:p>
-          <a:p>
-            <a:pPr lvl="1"/>
-            <a:r>
-              <a:rPr lang="en-US" dirty="0"/>
-              <a:t>Language: The system will be written in the PHP programming language.</a:t>
-            </a:r>
-            <a:endParaRPr lang="en-US" sz="2000" dirty="0"/>
-          </a:p>
-          <a:p>
-            <a:pPr lvl="1"/>
-            <a:r>
-              <a:rPr lang="en-US" dirty="0"/>
-              <a:t>Operating Systems: The system will be available on Windows operating systems as well as Macintosh, since it is written in PHP.</a:t>
-            </a:r>
-            <a:endParaRPr lang="en-US" sz="2000" dirty="0"/>
-          </a:p>
-          <a:p>
-            <a:endParaRPr lang="en-US" dirty="0"/>
+              <a:rPr lang="en-US" sz="3200" dirty="0" smtClean="0"/>
+              <a:t>Error handling</a:t>
+            </a:r>
+            <a:endParaRPr lang="en-US" sz="3200" dirty="0"/>
           </a:p>
         </p:txBody>
       </p:sp>
     </p:spTree>
     <p:extLst>
       <p:ext uri="{BB962C8B-B14F-4D97-AF65-F5344CB8AC3E}">
-        <p14:creationId xmlns:p14="http://schemas.microsoft.com/office/powerpoint/2010/main" xmlns="" val="3317316866"/>
+        <p14:creationId xmlns:p14="http://schemas.microsoft.com/office/powerpoint/2010/main" val="3124399499"/>
       </p:ext>
     </p:extLst>
   </p:cSld>
@@ -4128,23 +4521,164 @@
             <p:ph type="title"/>
           </p:nvPr>
         </p:nvSpPr>
+        <p:spPr>
+          <a:xfrm>
+            <a:off x="914400" y="274638"/>
+            <a:ext cx="7924800" cy="1143000"/>
+          </a:xfrm>
+        </p:spPr>
+        <p:txBody>
+          <a:bodyPr>
+            <a:noAutofit/>
+          </a:bodyPr>
+          <a:lstStyle/>
+          <a:p>
+            <a:r>
+              <a:rPr lang="en-US" dirty="0" smtClean="0"/>
+              <a:t>Nonfunctional Requirements (Cont.)</a:t>
+            </a:r>
+            <a:endParaRPr lang="en-US" dirty="0"/>
+          </a:p>
+        </p:txBody>
+      </p:sp>
+      <p:sp>
+        <p:nvSpPr>
+          <p:cNvPr id="3" name="Content Placeholder 2"/>
+          <p:cNvSpPr>
+            <a:spLocks noGrp="1"/>
+          </p:cNvSpPr>
+          <p:nvPr>
+            <p:ph sz="quarter" idx="1"/>
+          </p:nvPr>
+        </p:nvSpPr>
         <p:spPr/>
         <p:txBody>
-          <a:bodyPr/>
-          <a:lstStyle/>
-          <a:p>
-            <a:r>
-              <a:rPr lang="en-US" dirty="0" smtClean="0"/>
-              <a:t>Questions?</a:t>
-            </a:r>
-            <a:endParaRPr lang="en-US" dirty="0"/>
+          <a:bodyPr>
+            <a:normAutofit/>
+          </a:bodyPr>
+          <a:lstStyle/>
+          <a:p>
+            <a:pPr lvl="0"/>
+            <a:r>
+              <a:rPr lang="en-US" sz="3200" dirty="0"/>
+              <a:t> </a:t>
+            </a:r>
+            <a:r>
+              <a:rPr lang="en-US" sz="3200" dirty="0" smtClean="0"/>
+              <a:t>Usability</a:t>
+            </a:r>
+            <a:endParaRPr lang="en-US" sz="3200" dirty="0"/>
+          </a:p>
+          <a:p>
+            <a:pPr lvl="1"/>
+            <a:r>
+              <a:rPr lang="en-US" sz="3200" dirty="0"/>
+              <a:t>Required User </a:t>
+            </a:r>
+            <a:r>
+              <a:rPr lang="en-US" sz="3200" dirty="0" smtClean="0"/>
+              <a:t>Ability</a:t>
+            </a:r>
+          </a:p>
+          <a:p>
+            <a:pPr lvl="1"/>
+            <a:r>
+              <a:rPr lang="en-US" sz="3200" dirty="0" smtClean="0"/>
+              <a:t>Language</a:t>
+            </a:r>
+            <a:endParaRPr lang="en-US" sz="3200" dirty="0"/>
+          </a:p>
+          <a:p>
+            <a:pPr lvl="0"/>
+            <a:r>
+              <a:rPr lang="en-US" sz="3200" dirty="0"/>
+              <a:t>Implementation </a:t>
+            </a:r>
+            <a:r>
+              <a:rPr lang="en-US" sz="3200" dirty="0" smtClean="0"/>
+              <a:t>Constraints </a:t>
+            </a:r>
+            <a:endParaRPr lang="en-US" sz="3200" dirty="0"/>
+          </a:p>
+          <a:p>
+            <a:pPr lvl="1"/>
+            <a:r>
+              <a:rPr lang="en-US" sz="3200" dirty="0" smtClean="0"/>
+              <a:t>Programming Language</a:t>
+            </a:r>
+            <a:endParaRPr lang="en-US" sz="3200" dirty="0"/>
+          </a:p>
+          <a:p>
+            <a:pPr lvl="1"/>
+            <a:r>
+              <a:rPr lang="en-US" sz="3200" dirty="0"/>
+              <a:t>Operating </a:t>
+            </a:r>
+            <a:r>
+              <a:rPr lang="en-US" sz="3200" dirty="0" smtClean="0"/>
+              <a:t>Systems</a:t>
+            </a:r>
+            <a:endParaRPr lang="en-US" sz="3200" dirty="0"/>
           </a:p>
         </p:txBody>
       </p:sp>
     </p:spTree>
     <p:extLst>
       <p:ext uri="{BB962C8B-B14F-4D97-AF65-F5344CB8AC3E}">
-        <p14:creationId xmlns:p14="http://schemas.microsoft.com/office/powerpoint/2010/main" xmlns="" val="3337099081"/>
+        <p14:creationId xmlns:p14="http://schemas.microsoft.com/office/powerpoint/2010/main" val="3317316866"/>
+      </p:ext>
+    </p:extLst>
+  </p:cSld>
+  <p:clrMapOvr>
+    <a:masterClrMapping/>
+  </p:clrMapOvr>
+</p:sld>
+</file>
+
+<file path=ppt/slides/slide13.xml><?xml version="1.0" encoding="utf-8"?>
+<p:sld xmlns:a="http://schemas.openxmlformats.org/drawingml/2006/main" xmlns:r="http://schemas.openxmlformats.org/officeDocument/2006/relationships" xmlns:p="http://schemas.openxmlformats.org/presentationml/2006/main">
+  <p:cSld>
+    <p:spTree>
+      <p:nvGrpSpPr>
+        <p:cNvPr id="1" name=""/>
+        <p:cNvGrpSpPr/>
+        <p:nvPr/>
+      </p:nvGrpSpPr>
+      <p:grpSpPr>
+        <a:xfrm>
+          <a:off x="0" y="0"/>
+          <a:ext cx="0" cy="0"/>
+          <a:chOff x="0" y="0"/>
+          <a:chExt cx="0" cy="0"/>
+        </a:xfrm>
+      </p:grpSpPr>
+      <p:sp>
+        <p:nvSpPr>
+          <p:cNvPr id="2" name="Title 1"/>
+          <p:cNvSpPr>
+            <a:spLocks noGrp="1"/>
+          </p:cNvSpPr>
+          <p:nvPr>
+            <p:ph type="title"/>
+          </p:nvPr>
+        </p:nvSpPr>
+        <p:spPr/>
+        <p:txBody>
+          <a:bodyPr/>
+          <a:lstStyle/>
+          <a:p>
+            <a:r>
+              <a:rPr lang="en-US" dirty="0" smtClean="0"/>
+              <a:t>Questions?</a:t>
+            </a:r>
+            <a:endParaRPr lang="en-US" dirty="0"/>
+          </a:p>
+        </p:txBody>
+      </p:sp>
+    </p:spTree>
+    <p:extLst>
+      <p:ext uri="{BB962C8B-B14F-4D97-AF65-F5344CB8AC3E}">
+        <p14:creationId xmlns:p14="http://schemas.microsoft.com/office/powerpoint/2010/main" val="3337099081"/>
       </p:ext>
     </p:extLst>
   </p:cSld>
@@ -4224,18 +4758,15 @@
             </a:r>
             <a:r>
               <a:rPr lang="en-US" sz="3200" dirty="0"/>
-              <a:t>can visit the forums, but only registered users may post a question to the community. </a:t>
-            </a:r>
-            <a:endParaRPr lang="en-US" sz="3200" dirty="0" smtClean="0"/>
-          </a:p>
-          <a:p>
+              <a:t>can </a:t>
+            </a:r>
             <a:r>
               <a:rPr lang="en-US" sz="3200" dirty="0" smtClean="0"/>
-              <a:t>Users </a:t>
+              <a:t>search through </a:t>
             </a:r>
             <a:r>
               <a:rPr lang="en-US" sz="3200" dirty="0"/>
-              <a:t>will be able to search through the forums for specific topics.</a:t>
+              <a:t>the forums, but only registered users may post a question to the community. </a:t>
             </a:r>
           </a:p>
           <a:p>
@@ -4246,7 +4777,7 @@
     </p:spTree>
     <p:extLst>
       <p:ext uri="{BB962C8B-B14F-4D97-AF65-F5344CB8AC3E}">
-        <p14:creationId xmlns:p14="http://schemas.microsoft.com/office/powerpoint/2010/main" xmlns="" val="3280233201"/>
+        <p14:creationId xmlns:p14="http://schemas.microsoft.com/office/powerpoint/2010/main" val="3280233201"/>
       </p:ext>
     </p:extLst>
   </p:cSld>
@@ -4326,8 +4857,45 @@
             </a:r>
             <a:r>
               <a:rPr lang="en-US" sz="3200" dirty="0"/>
-              <a:t>want to provide a solution to students who may not have free time after class to meet other students in person or if they have a question that requires feedback from more than one person. </a:t>
-            </a:r>
+              <a:t>want to provide a solution to students who may not have free time </a:t>
+            </a:r>
+            <a:r>
+              <a:rPr lang="en-US" sz="3200" dirty="0" smtClean="0"/>
+              <a:t>before or after </a:t>
+            </a:r>
+            <a:r>
+              <a:rPr lang="en-US" sz="3200" dirty="0"/>
+              <a:t>class to meet other </a:t>
+            </a:r>
+            <a:r>
+              <a:rPr lang="en-US" sz="3200" dirty="0" smtClean="0"/>
+              <a:t>peers </a:t>
+            </a:r>
+            <a:r>
+              <a:rPr lang="en-US" sz="3200" dirty="0"/>
+              <a:t>in </a:t>
+            </a:r>
+            <a:r>
+              <a:rPr lang="en-US" sz="3200" dirty="0" smtClean="0"/>
+              <a:t>person. Or </a:t>
+            </a:r>
+            <a:r>
+              <a:rPr lang="en-US" sz="3200" dirty="0"/>
+              <a:t>if they have a question that requires feedback from more than one </a:t>
+            </a:r>
+            <a:r>
+              <a:rPr lang="en-US" sz="3200" dirty="0" smtClean="0"/>
+              <a:t>person, they can effortlessl</a:t>
+            </a:r>
+            <a:r>
+              <a:rPr lang="en-US" sz="3200" dirty="0" smtClean="0"/>
+              <a:t>y reach out to many peers.</a:t>
+            </a:r>
+            <a:r>
+              <a:rPr lang="en-US" sz="3200" dirty="0" smtClean="0"/>
+              <a:t> </a:t>
+            </a:r>
+            <a:endParaRPr lang="en-US" sz="3200" dirty="0"/>
           </a:p>
           <a:p>
             <a:endParaRPr lang="en-US" sz="3200" dirty="0"/>
@@ -4337,7 +4905,7 @@
     </p:spTree>
     <p:extLst>
       <p:ext uri="{BB962C8B-B14F-4D97-AF65-F5344CB8AC3E}">
-        <p14:creationId xmlns:p14="http://schemas.microsoft.com/office/powerpoint/2010/main" xmlns="" val="1132916584"/>
+        <p14:creationId xmlns:p14="http://schemas.microsoft.com/office/powerpoint/2010/main" val="1132916584"/>
       </p:ext>
     </p:extLst>
   </p:cSld>
@@ -4406,26 +4974,41 @@
           <a:p>
             <a:r>
               <a:rPr lang="en-US" sz="3200" dirty="0"/>
-              <a:t>Using the blog, students will gain access to their peers after classes. </a:t>
-            </a:r>
-            <a:endParaRPr lang="en-US" sz="3200" dirty="0" smtClean="0"/>
-          </a:p>
-          <a:p>
+              <a:t>Using the blog, students will gain access to their peers </a:t>
+            </a:r>
             <a:r>
               <a:rPr lang="en-US" sz="3200" dirty="0" smtClean="0"/>
-              <a:t>Even </a:t>
+              <a:t>at any time, n</a:t>
+            </a:r>
+            <a:r>
+              <a:rPr lang="en-US" sz="3200" dirty="0" smtClean="0"/>
+              <a:t>ot just on campus.</a:t>
+            </a:r>
+          </a:p>
+          <a:p>
+            <a:r>
+              <a:rPr lang="en-US" sz="3200" dirty="0" smtClean="0"/>
+              <a:t>One common place for communicating </a:t>
             </a:r>
             <a:r>
               <a:rPr lang="en-US" sz="3200" dirty="0"/>
-              <a:t>from home, they can communicate ideas and </a:t>
+              <a:t>ideas and </a:t>
             </a:r>
             <a:r>
               <a:rPr lang="en-US" sz="3200" dirty="0" smtClean="0"/>
-              <a:t>post </a:t>
+              <a:t>posting </a:t>
             </a:r>
             <a:r>
               <a:rPr lang="en-US" sz="3200" dirty="0"/>
-              <a:t>questions they need help on. </a:t>
+              <a:t>questions they </a:t>
+            </a:r>
+            <a:r>
+              <a:rPr lang="en-US" sz="3200" dirty="0" smtClean="0"/>
+              <a:t>could use </a:t>
+            </a:r>
+            <a:r>
+              <a:rPr lang="en-US" sz="3200" dirty="0"/>
+              <a:t>help on. </a:t>
             </a:r>
           </a:p>
           <a:p>
@@ -4436,7 +5019,7 @@
     </p:spTree>
     <p:extLst>
       <p:ext uri="{BB962C8B-B14F-4D97-AF65-F5344CB8AC3E}">
-        <p14:creationId xmlns:p14="http://schemas.microsoft.com/office/powerpoint/2010/main" xmlns="" val="1229737170"/>
+        <p14:creationId xmlns:p14="http://schemas.microsoft.com/office/powerpoint/2010/main" val="1229737170"/>
       </p:ext>
     </p:extLst>
   </p:cSld>
@@ -4562,7 +5145,7 @@
     </p:spTree>
     <p:extLst>
       <p:ext uri="{BB962C8B-B14F-4D97-AF65-F5344CB8AC3E}">
-        <p14:creationId xmlns:p14="http://schemas.microsoft.com/office/powerpoint/2010/main" xmlns="" val="1930359296"/>
+        <p14:creationId xmlns:p14="http://schemas.microsoft.com/office/powerpoint/2010/main" val="1930359296"/>
       </p:ext>
     </p:extLst>
   </p:cSld>
@@ -4599,7 +5182,12 @@
             <p:ph type="title"/>
           </p:nvPr>
         </p:nvSpPr>
-        <p:spPr/>
+        <p:spPr>
+          <a:xfrm>
+            <a:off x="609600" y="274638"/>
+            <a:ext cx="8382000" cy="1143000"/>
+          </a:xfrm>
+        </p:spPr>
         <p:txBody>
           <a:bodyPr>
             <a:normAutofit fontScale="90000"/>
@@ -4674,7 +5262,7 @@
     </p:spTree>
     <p:extLst>
       <p:ext uri="{BB962C8B-B14F-4D97-AF65-F5344CB8AC3E}">
-        <p14:creationId xmlns:p14="http://schemas.microsoft.com/office/powerpoint/2010/main" xmlns="" val="3980607593"/>
+        <p14:creationId xmlns:p14="http://schemas.microsoft.com/office/powerpoint/2010/main" val="3980607593"/>
       </p:ext>
     </p:extLst>
   </p:cSld>
@@ -4743,8 +5331,39 @@
           <a:p>
             <a:r>
               <a:rPr lang="en-US" sz="2800" dirty="0" smtClean="0"/>
-              <a:t>Once implemented, the TTU CS Blog will provide a free community of fellow students to be a part of. Not everyone has time to meet with professors or organize meetings with other students. So, this will be a resource where students can both ask and answer questions relating to CS courses. </a:t>
-            </a:r>
+              <a:t>Once implemented, the TTU CS Blog will provide a free community of fellow students to be a part of. </a:t>
+            </a:r>
+            <a:endParaRPr lang="en-US" sz="2800" dirty="0" smtClean="0"/>
+          </a:p>
+          <a:p>
+            <a:r>
+              <a:rPr lang="en-US" sz="2800" dirty="0" smtClean="0"/>
+              <a:t>Not </a:t>
+            </a:r>
+            <a:r>
+              <a:rPr lang="en-US" sz="2800" dirty="0" smtClean="0"/>
+              <a:t>everyone has time to meet with professors or organize meetings with other students. </a:t>
+            </a:r>
+            <a:endParaRPr lang="en-US" sz="2800" dirty="0" smtClean="0"/>
+          </a:p>
+          <a:p>
+            <a:r>
+              <a:rPr lang="en-US" sz="2800" dirty="0" smtClean="0"/>
+              <a:t>So</a:t>
+            </a:r>
+            <a:r>
+              <a:rPr lang="en-US" sz="2800" dirty="0" smtClean="0"/>
+              <a:t>, this will be a resource where students can both ask and answer questions relating to </a:t>
+            </a:r>
+            <a:r>
+              <a:rPr lang="en-US" sz="2800" dirty="0" smtClean="0"/>
+              <a:t>computer science</a:t>
+            </a:r>
+            <a:r>
+              <a:rPr lang="en-US" sz="2800" dirty="0" smtClean="0"/>
+              <a:t>. </a:t>
+            </a:r>
+            <a:endParaRPr lang="en-US" sz="2800" dirty="0" smtClean="0"/>
           </a:p>
           <a:p>
             <a:endParaRPr lang="en-US" sz="2800" dirty="0"/>
@@ -4754,7 +5373,7 @@
     </p:spTree>
     <p:extLst>
       <p:ext uri="{BB962C8B-B14F-4D97-AF65-F5344CB8AC3E}">
-        <p14:creationId xmlns:p14="http://schemas.microsoft.com/office/powerpoint/2010/main" xmlns="" val="3450793183"/>
+        <p14:creationId xmlns:p14="http://schemas.microsoft.com/office/powerpoint/2010/main" val="3450793183"/>
       </p:ext>
     </p:extLst>
   </p:cSld>
@@ -4798,7 +5417,11 @@
           <a:p>
             <a:r>
               <a:rPr lang="en-US" dirty="0" smtClean="0"/>
-              <a:t>Functional Requirements</a:t>
+              <a:t>Functional </a:t>
+            </a:r>
+            <a:r>
+              <a:rPr lang="en-US" dirty="0" smtClean="0"/>
+              <a:t>Requirements - User</a:t>
             </a:r>
             <a:endParaRPr lang="en-US" dirty="0"/>
           </a:p>
@@ -4823,54 +5446,69 @@
           <a:p>
             <a:pPr lvl="0"/>
             <a:r>
-              <a:rPr lang="en-US" dirty="0"/>
-              <a:t>They system shall allow users to make posts.</a:t>
-            </a:r>
+              <a:rPr lang="en-US" sz="2800" dirty="0" smtClean="0"/>
+              <a:t>The u</a:t>
+            </a:r>
+            <a:r>
+              <a:rPr lang="en-US" sz="2800" dirty="0" smtClean="0"/>
+              <a:t>ser</a:t>
+            </a:r>
+            <a:r>
+              <a:rPr lang="en-US" sz="2800" dirty="0" smtClean="0"/>
+              <a:t> will be able to </a:t>
+            </a:r>
+            <a:r>
+              <a:rPr lang="en-US" sz="2800" dirty="0"/>
+              <a:t>make </a:t>
+            </a:r>
+            <a:r>
+              <a:rPr lang="en-US" sz="2800" dirty="0" smtClean="0"/>
+              <a:t>posts under topics.</a:t>
+            </a:r>
+            <a:endParaRPr lang="en-US" sz="2800" dirty="0"/>
           </a:p>
           <a:p>
             <a:pPr lvl="0"/>
             <a:r>
-              <a:rPr lang="en-US" dirty="0"/>
-              <a:t>The system users will have different access to posting.</a:t>
+              <a:rPr lang="en-US" sz="2800" dirty="0" smtClean="0"/>
+              <a:t>The user </a:t>
+            </a:r>
+            <a:r>
+              <a:rPr lang="en-US" sz="2800" dirty="0"/>
+              <a:t>‘guest’ will not have access to post.</a:t>
             </a:r>
           </a:p>
           <a:p>
             <a:pPr lvl="0"/>
             <a:r>
-              <a:rPr lang="en-US" dirty="0"/>
-              <a:t>The system user ‘guest’ will not have access to post.</a:t>
+              <a:rPr lang="en-US" sz="2800" dirty="0"/>
+              <a:t>The </a:t>
+            </a:r>
+            <a:r>
+              <a:rPr lang="en-US" sz="2800" dirty="0" smtClean="0"/>
+              <a:t>user </a:t>
+            </a:r>
+            <a:r>
+              <a:rPr lang="en-US" sz="2800" dirty="0"/>
+              <a:t>‘faculty’ will only post under research topics and articles.</a:t>
             </a:r>
           </a:p>
           <a:p>
             <a:pPr lvl="0"/>
             <a:r>
-              <a:rPr lang="en-US" dirty="0"/>
-              <a:t>The system users ‘faculty’ will only post under research topics and articles.</a:t>
-            </a:r>
-          </a:p>
-          <a:p>
-            <a:pPr lvl="0"/>
-            <a:r>
-              <a:rPr lang="en-US" dirty="0"/>
-              <a:t>The system shall maintain a total number of topics and courses.</a:t>
-            </a:r>
-          </a:p>
-          <a:p>
-            <a:pPr lvl="0"/>
-            <a:r>
-              <a:rPr lang="en-US" dirty="0"/>
-              <a:t>The system users will have different topics and courses to post to.</a:t>
-            </a:r>
-          </a:p>
-          <a:p>
-            <a:endParaRPr lang="en-US" dirty="0"/>
+              <a:rPr lang="en-US" sz="2800" dirty="0"/>
+              <a:t>The user ‘administrator’ will have to authority to close or move a post.</a:t>
+            </a:r>
+          </a:p>
+          <a:p>
+            <a:endParaRPr lang="en-US" sz="2800" dirty="0"/>
           </a:p>
         </p:txBody>
       </p:sp>
     </p:spTree>
     <p:extLst>
       <p:ext uri="{BB962C8B-B14F-4D97-AF65-F5344CB8AC3E}">
-        <p14:creationId xmlns:p14="http://schemas.microsoft.com/office/powerpoint/2010/main" xmlns="" val="3975834863"/>
+        <p14:creationId xmlns:p14="http://schemas.microsoft.com/office/powerpoint/2010/main" val="3975834863"/>
       </p:ext>
     </p:extLst>
   </p:cSld>
@@ -4914,7 +5552,7 @@
           <a:p>
             <a:r>
               <a:rPr lang="en-US" dirty="0" smtClean="0"/>
-              <a:t>Functional Requirements (Cont.)</a:t>
+              <a:t>Functional Requirements - System</a:t>
             </a:r>
             <a:endParaRPr lang="en-US" dirty="0"/>
           </a:p>
@@ -4930,54 +5568,92 @@
             <p:ph sz="quarter" idx="1"/>
           </p:nvPr>
         </p:nvSpPr>
-        <p:spPr/>
-        <p:txBody>
-          <a:bodyPr/>
+        <p:spPr>
+          <a:xfrm>
+            <a:off x="914400" y="1447800"/>
+            <a:ext cx="7772400" cy="5105400"/>
+          </a:xfrm>
+        </p:spPr>
+        <p:txBody>
+          <a:bodyPr>
+            <a:normAutofit/>
+          </a:bodyPr>
           <a:lstStyle/>
           <a:p>
             <a:pPr lvl="0"/>
             <a:r>
-              <a:rPr lang="en-US" dirty="0"/>
-              <a:t>The system users will gain credit for correctly answering a posted question requested by another user.</a:t>
+              <a:rPr lang="en-US" sz="2800" dirty="0"/>
+              <a:t>The system shall maintain a total number of </a:t>
+            </a:r>
+            <a:r>
+              <a:rPr lang="en-US" sz="2800" dirty="0" smtClean="0"/>
+              <a:t>topics.</a:t>
             </a:r>
           </a:p>
           <a:p>
             <a:pPr lvl="0"/>
             <a:r>
-              <a:rPr lang="en-US" dirty="0"/>
-              <a:t>The system user ‘administrator’ will have to authority to close or move a post.</a:t>
-            </a:r>
+              <a:rPr lang="en-US" sz="2800" dirty="0" smtClean="0"/>
+              <a:t>The </a:t>
+            </a:r>
+            <a:r>
+              <a:rPr lang="en-US" sz="2800" dirty="0"/>
+              <a:t>system </a:t>
+            </a:r>
+            <a:r>
+              <a:rPr lang="en-US" sz="2800" dirty="0" smtClean="0"/>
+              <a:t>shall </a:t>
+            </a:r>
+            <a:r>
+              <a:rPr lang="en-US" sz="2800" dirty="0"/>
+              <a:t>grant users credit for correctly answered questions requested by another user. </a:t>
+            </a:r>
+            <a:endParaRPr lang="en-US" sz="2800" dirty="0" smtClean="0"/>
           </a:p>
           <a:p>
             <a:pPr lvl="0"/>
             <a:r>
-              <a:rPr lang="en-US" dirty="0"/>
-              <a:t>The system shall automatically email the user who made a post when another user has attempted to answer.</a:t>
-            </a:r>
+              <a:rPr lang="en-US" sz="2800" dirty="0" smtClean="0"/>
+              <a:t>If </a:t>
+            </a:r>
+            <a:r>
+              <a:rPr lang="en-US" sz="2800" dirty="0"/>
+              <a:t>marked ‘top answer’, the user who answered the question will receive double credit. </a:t>
+            </a:r>
+            <a:endParaRPr lang="en-US" sz="2800" dirty="0" smtClean="0"/>
           </a:p>
           <a:p>
             <a:pPr lvl="0"/>
             <a:r>
-              <a:rPr lang="en-US" dirty="0"/>
-              <a:t>The system shall mark each post as answered or unanswered.</a:t>
-            </a:r>
+              <a:rPr lang="en-US" sz="2800" dirty="0" smtClean="0"/>
+              <a:t>If </a:t>
+            </a:r>
+            <a:r>
+              <a:rPr lang="en-US" sz="2800" dirty="0"/>
+              <a:t>marked ‘helpful’, the user will gain the base credit amount. </a:t>
+            </a:r>
+            <a:endParaRPr lang="en-US" sz="2800" dirty="0" smtClean="0"/>
           </a:p>
           <a:p>
             <a:pPr lvl="0"/>
             <a:r>
-              <a:rPr lang="en-US" dirty="0"/>
-              <a:t>The system shall close a post if it remains unanswered after the time out period.</a:t>
-            </a:r>
-          </a:p>
-          <a:p>
-            <a:endParaRPr lang="en-US" dirty="0"/>
+              <a:rPr lang="en-US" sz="2800" dirty="0" smtClean="0"/>
+              <a:t>If </a:t>
+            </a:r>
+            <a:r>
+              <a:rPr lang="en-US" sz="2800" dirty="0"/>
+              <a:t>marked ‘incorrect’, the user will not gain any credit.</a:t>
+            </a:r>
+          </a:p>
+          <a:p>
+            <a:endParaRPr lang="en-US" sz="2800" dirty="0"/>
           </a:p>
         </p:txBody>
       </p:sp>
     </p:spTree>
     <p:extLst>
       <p:ext uri="{BB962C8B-B14F-4D97-AF65-F5344CB8AC3E}">
-        <p14:creationId xmlns:p14="http://schemas.microsoft.com/office/powerpoint/2010/main" xmlns="" val="672942234"/>
+        <p14:creationId xmlns:p14="http://schemas.microsoft.com/office/powerpoint/2010/main" val="2282227886"/>
       </p:ext>
     </p:extLst>
   </p:cSld>
@@ -5257,4 +5933,289 @@
   <a:objectDefaults/>
   <a:extraClrSchemeLst/>
 </a:theme>
+</file>
+
+<file path=ppt/theme/theme2.xml><?xml version="1.0" encoding="utf-8"?>
+<a:theme xmlns:a="http://schemas.openxmlformats.org/drawingml/2006/main" name="Office Theme">
+  <a:themeElements>
+    <a:clrScheme name="Office">
+      <a:dk1>
+        <a:sysClr val="windowText" lastClr="000000"/>
+      </a:dk1>
+      <a:lt1>
+        <a:sysClr val="window" lastClr="FFFFFF"/>
+      </a:lt1>
+      <a:dk2>
+        <a:srgbClr val="1F497D"/>
+      </a:dk2>
+      <a:lt2>
+        <a:srgbClr val="EEECE1"/>
+      </a:lt2>
+      <a:accent1>
+        <a:srgbClr val="4F81BD"/>
+      </a:accent1>
+      <a:accent2>
+        <a:srgbClr val="C0504D"/>
+      </a:accent2>
+      <a:accent3>
+        <a:srgbClr val="9BBB59"/>
+      </a:accent3>
+      <a:accent4>
+        <a:srgbClr val="8064A2"/>
+      </a:accent4>
+      <a:accent5>
+        <a:srgbClr val="4BACC6"/>
+      </a:accent5>
+      <a:accent6>
+        <a:srgbClr val="F79646"/>
+      </a:accent6>
+      <a:hlink>
+        <a:srgbClr val="0000FF"/>
+      </a:hlink>
+      <a:folHlink>
+        <a:srgbClr val="800080"/>
+      </a:folHlink>
+    </a:clrScheme>
+    <a:fontScheme name="Office">
+      <a:majorFont>
+        <a:latin typeface="Calibri"/>
+        <a:ea typeface=""/>
+        <a:cs typeface=""/>
+        <a:font script="Jpan" typeface="ＭＳ Ｐゴシック"/>
+        <a:font script="Hang" typeface="맑은 고딕"/>
+        <a:font script="Hans" typeface="宋体"/>
+        <a:font script="Hant" typeface="新細明體"/>
+        <a:font script="Arab" typeface="Times New Roman"/>
+        <a:font script="Hebr" typeface="Times New Roman"/>
+        <a:font script="Thai" typeface="Angsana New"/>
+        <a:font script="Ethi" typeface="Nyala"/>
+        <a:font script="Beng" typeface="Vrinda"/>
+        <a:font script="Gujr" typeface="Shruti"/>
+        <a:font script="Khmr" typeface="MoolBoran"/>
+        <a:font script="Knda" typeface="Tunga"/>
+        <a:font script="Guru" typeface="Raavi"/>
+        <a:font script="Cans" typeface="Euphemia"/>
+        <a:font script="Cher" typeface="Plantagenet Cherokee"/>
+        <a:font script="Yiii" typeface="Microsoft Yi Baiti"/>
+        <a:font script="Tibt" typeface="Microsoft Himalaya"/>
+        <a:font script="Thaa" typeface="MV Boli"/>
+        <a:font script="Deva" typeface="Mangal"/>
+        <a:font script="Telu" typeface="Gautami"/>
+        <a:font script="Taml" typeface="Latha"/>
+        <a:font script="Syrc" typeface="Estrangelo Edessa"/>
+        <a:font script="Orya" typeface="Kalinga"/>
+        <a:font script="Mlym" typeface="Kartika"/>
+        <a:font script="Laoo" typeface="DokChampa"/>
+        <a:font script="Sinh" typeface="Iskoola Pota"/>
+        <a:font script="Mong" typeface="Mongolian Baiti"/>
+        <a:font script="Viet" typeface="Times New Roman"/>
+        <a:font script="Uigh" typeface="Microsoft Uighur"/>
+        <a:font script="Geor" typeface="Sylfaen"/>
+      </a:majorFont>
+      <a:minorFont>
+        <a:latin typeface="Calibri"/>
+        <a:ea typeface=""/>
+        <a:cs typeface=""/>
+        <a:font script="Jpan" typeface="ＭＳ Ｐゴシック"/>
+        <a:font script="Hang" typeface="맑은 고딕"/>
+        <a:font script="Hans" typeface="宋体"/>
+        <a:font script="Hant" typeface="新細明體"/>
+        <a:font script="Arab" typeface="Arial"/>
+        <a:font script="Hebr" typeface="Arial"/>
+        <a:font script="Thai" typeface="Cordia New"/>
+        <a:font script="Ethi" typeface="Nyala"/>
+        <a:font script="Beng" typeface="Vrinda"/>
+        <a:font script="Gujr" typeface="Shruti"/>
+        <a:font script="Khmr" typeface="DaunPenh"/>
+        <a:font script="Knda" typeface="Tunga"/>
+        <a:font script="Guru" typeface="Raavi"/>
+        <a:font script="Cans" typeface="Euphemia"/>
+        <a:font script="Cher" typeface="Plantagenet Cherokee"/>
+        <a:font script="Yiii" typeface="Microsoft Yi Baiti"/>
+        <a:font script="Tibt" typeface="Microsoft Himalaya"/>
+        <a:font script="Thaa" typeface="MV Boli"/>
+        <a:font script="Deva" typeface="Mangal"/>
+        <a:font script="Telu" typeface="Gautami"/>
+        <a:font script="Taml" typeface="Latha"/>
+        <a:font script="Syrc" typeface="Estrangelo Edessa"/>
+        <a:font script="Orya" typeface="Kalinga"/>
+        <a:font script="Mlym" typeface="Kartika"/>
+        <a:font script="Laoo" typeface="DokChampa"/>
+        <a:font script="Sinh" typeface="Iskoola Pota"/>
+        <a:font script="Mong" typeface="Mongolian Baiti"/>
+        <a:font script="Viet" typeface="Arial"/>
+        <a:font script="Uigh" typeface="Microsoft Uighur"/>
+        <a:font script="Geor" typeface="Sylfaen"/>
+      </a:minorFont>
+    </a:fontScheme>
+    <a:fmtScheme name="Office">
+      <a:fillStyleLst>
+        <a:solidFill>
+          <a:schemeClr val="phClr"/>
+        </a:solidFill>
+        <a:gradFill rotWithShape="1">
+          <a:gsLst>
+            <a:gs pos="0">
+              <a:schemeClr val="phClr">
+                <a:tint val="50000"/>
+                <a:satMod val="300000"/>
+              </a:schemeClr>
+            </a:gs>
+            <a:gs pos="35000">
+              <a:schemeClr val="phClr">
+                <a:tint val="37000"/>
+                <a:satMod val="300000"/>
+              </a:schemeClr>
+            </a:gs>
+            <a:gs pos="100000">
+              <a:schemeClr val="phClr">
+                <a:tint val="15000"/>
+                <a:satMod val="350000"/>
+              </a:schemeClr>
+            </a:gs>
+          </a:gsLst>
+          <a:lin ang="16200000" scaled="1"/>
+        </a:gradFill>
+        <a:gradFill rotWithShape="1">
+          <a:gsLst>
+            <a:gs pos="0">
+              <a:schemeClr val="phClr">
+                <a:shade val="51000"/>
+                <a:satMod val="130000"/>
+              </a:schemeClr>
+            </a:gs>
+            <a:gs pos="80000">
+              <a:schemeClr val="phClr">
+                <a:shade val="93000"/>
+                <a:satMod val="130000"/>
+              </a:schemeClr>
+            </a:gs>
+            <a:gs pos="100000">
+              <a:schemeClr val="phClr">
+                <a:shade val="94000"/>
+                <a:satMod val="135000"/>
+              </a:schemeClr>
+            </a:gs>
+          </a:gsLst>
+          <a:lin ang="16200000" scaled="0"/>
+        </a:gradFill>
+      </a:fillStyleLst>
+      <a:lnStyleLst>
+        <a:ln w="9525" cap="flat" cmpd="sng" algn="ctr">
+          <a:solidFill>
+            <a:schemeClr val="phClr">
+              <a:shade val="95000"/>
+              <a:satMod val="105000"/>
+            </a:schemeClr>
+          </a:solidFill>
+          <a:prstDash val="solid"/>
+        </a:ln>
+        <a:ln w="25400" cap="flat" cmpd="sng" algn="ctr">
+          <a:solidFill>
+            <a:schemeClr val="phClr"/>
+          </a:solidFill>
+          <a:prstDash val="solid"/>
+        </a:ln>
+        <a:ln w="38100" cap="flat" cmpd="sng" algn="ctr">
+          <a:solidFill>
+            <a:schemeClr val="phClr"/>
+          </a:solidFill>
+          <a:prstDash val="solid"/>
+        </a:ln>
+      </a:lnStyleLst>
+      <a:effectStyleLst>
+        <a:effectStyle>
+          <a:effectLst>
+            <a:outerShdw blurRad="40000" dist="20000" dir="5400000" rotWithShape="0">
+              <a:srgbClr val="000000">
+                <a:alpha val="38000"/>
+              </a:srgbClr>
+            </a:outerShdw>
+          </a:effectLst>
+        </a:effectStyle>
+        <a:effectStyle>
+          <a:effectLst>
+            <a:outerShdw blurRad="40000" dist="23000" dir="5400000" rotWithShape="0">
+              <a:srgbClr val="000000">
+                <a:alpha val="35000"/>
+              </a:srgbClr>
+            </a:outerShdw>
+          </a:effectLst>
+        </a:effectStyle>
+        <a:effectStyle>
+          <a:effectLst>
+            <a:outerShdw blurRad="40000" dist="23000" dir="5400000" rotWithShape="0">
+              <a:srgbClr val="000000">
+                <a:alpha val="35000"/>
+              </a:srgbClr>
+            </a:outerShdw>
+          </a:effectLst>
+          <a:scene3d>
+            <a:camera prst="orthographicFront">
+              <a:rot lat="0" lon="0" rev="0"/>
+            </a:camera>
+            <a:lightRig rig="threePt" dir="t">
+              <a:rot lat="0" lon="0" rev="1200000"/>
+            </a:lightRig>
+          </a:scene3d>
+          <a:sp3d>
+            <a:bevelT w="63500" h="25400"/>
+          </a:sp3d>
+        </a:effectStyle>
+      </a:effectStyleLst>
+      <a:bgFillStyleLst>
+        <a:solidFill>
+          <a:schemeClr val="phClr"/>
+        </a:solidFill>
+        <a:gradFill rotWithShape="1">
+          <a:gsLst>
+            <a:gs pos="0">
+              <a:schemeClr val="phClr">
+                <a:tint val="40000"/>
+                <a:satMod val="350000"/>
+              </a:schemeClr>
+            </a:gs>
+            <a:gs pos="40000">
+              <a:schemeClr val="phClr">
+                <a:tint val="45000"/>
+                <a:shade val="99000"/>
+                <a:satMod val="350000"/>
+              </a:schemeClr>
+            </a:gs>
+            <a:gs pos="100000">
+              <a:schemeClr val="phClr">
+                <a:shade val="20000"/>
+                <a:satMod val="255000"/>
+              </a:schemeClr>
+            </a:gs>
+          </a:gsLst>
+          <a:path path="circle">
+            <a:fillToRect l="50000" t="-80000" r="50000" b="180000"/>
+          </a:path>
+        </a:gradFill>
+        <a:gradFill rotWithShape="1">
+          <a:gsLst>
+            <a:gs pos="0">
+              <a:schemeClr val="phClr">
+                <a:tint val="80000"/>
+                <a:satMod val="300000"/>
+              </a:schemeClr>
+            </a:gs>
+            <a:gs pos="100000">
+              <a:schemeClr val="phClr">
+                <a:shade val="30000"/>
+                <a:satMod val="200000"/>
+              </a:schemeClr>
+            </a:gs>
+          </a:gsLst>
+          <a:path path="circle">
+            <a:fillToRect l="50000" t="50000" r="50000" b="50000"/>
+          </a:path>
+        </a:gradFill>
+      </a:bgFillStyleLst>
+    </a:fmtScheme>
+  </a:themeElements>
+  <a:objectDefaults/>
+  <a:extraClrSchemeLst/>
+</a:theme>
 </file>